--- a/前端工程化的几个常用工具.pptx
+++ b/前端工程化的几个常用工具.pptx
@@ -1,24 +1,28 @@
 
 <file path=ppt/presentation.xml><?xml version="1.0" encoding="utf-8"?>
-<p:presentation xmlns:a="http://schemas.openxmlformats.org/drawingml/2006/main" xmlns:r="http://schemas.openxmlformats.org/officeDocument/2006/relationships" xmlns:p="http://schemas.openxmlformats.org/presentationml/2006/main" saveSubsetFonts="1">
+<p:presentation xmlns:a="http://schemas.openxmlformats.org/drawingml/2006/main" xmlns:r="http://schemas.openxmlformats.org/officeDocument/2006/relationships" xmlns:p="http://schemas.openxmlformats.org/presentationml/2006/main">
   <p:sldMasterIdLst>
     <p:sldMasterId id="2147483648" r:id="rId1"/>
   </p:sldMasterIdLst>
   <p:sldIdLst>
-    <p:sldId id="256" r:id="rId2"/>
-    <p:sldId id="263" r:id="rId3"/>
-    <p:sldId id="267" r:id="rId4"/>
-    <p:sldId id="257" r:id="rId5"/>
-    <p:sldId id="268" r:id="rId6"/>
-    <p:sldId id="260" r:id="rId7"/>
-    <p:sldId id="258" r:id="rId8"/>
-    <p:sldId id="259" r:id="rId9"/>
-    <p:sldId id="264" r:id="rId10"/>
-    <p:sldId id="261" r:id="rId11"/>
-    <p:sldId id="265" r:id="rId12"/>
-    <p:sldId id="266" r:id="rId13"/>
-    <p:sldId id="269" r:id="rId14"/>
-    <p:sldId id="270" r:id="rId15"/>
+    <p:sldId id="256" r:id="rId3"/>
+    <p:sldId id="263" r:id="rId4"/>
+    <p:sldId id="267" r:id="rId5"/>
+    <p:sldId id="257" r:id="rId6"/>
+    <p:sldId id="268" r:id="rId7"/>
+    <p:sldId id="260" r:id="rId8"/>
+    <p:sldId id="258" r:id="rId9"/>
+    <p:sldId id="259" r:id="rId10"/>
+    <p:sldId id="264" r:id="rId11"/>
+    <p:sldId id="279" r:id="rId12"/>
+    <p:sldId id="261" r:id="rId13"/>
+    <p:sldId id="280" r:id="rId14"/>
+    <p:sldId id="281" r:id="rId15"/>
+    <p:sldId id="265" r:id="rId16"/>
+    <p:sldId id="266" r:id="rId17"/>
+    <p:sldId id="269" r:id="rId18"/>
+    <p:sldId id="270" r:id="rId19"/>
+    <p:sldId id="282" r:id="rId20"/>
   </p:sldIdLst>
   <p:sldSz cx="12192000" cy="6858000"/>
   <p:notesSz cx="6858000" cy="9144000"/>
@@ -117,11 +121,6 @@
       </a:defRPr>
     </a:lvl9pPr>
   </p:defaultTextStyle>
-  <p:extLst>
-    <p:ext uri="{EFAFB233-063F-42B5-8137-9DF3F51BA10A}">
-      <p15:sldGuideLst xmlns:p15="http://schemas.microsoft.com/office/powerpoint/2012/main"/>
-    </p:ext>
-  </p:extLst>
 </p:presentation>
 </file>
 
@@ -181,7 +180,7 @@
             <a:spLocks noGrp="1"/>
           </p:cNvSpPr>
           <p:nvPr>
-            <p:ph type="subTitle" idx="1"/>
+            <p:ph type="subTitle" idx="1" hasCustomPrompt="1"/>
           </p:nvPr>
         </p:nvSpPr>
         <p:spPr>
@@ -256,7 +255,6 @@
           <a:p>
             <a:fld id="{CFA5DE2B-BD2F-4D0E-9DB8-2F1CC9243400}" type="datetimeFigureOut">
               <a:rPr lang="zh-CN" altLang="en-US" smtClean="0"/>
-              <a:t>2018/12/3</a:t>
             </a:fld>
             <a:endParaRPr lang="zh-CN" altLang="en-US"/>
           </a:p>
@@ -298,18 +296,12 @@
           <a:p>
             <a:fld id="{4F16DF9D-48D5-4515-BBE6-BFA12C95D697}" type="slidenum">
               <a:rPr lang="zh-CN" altLang="en-US" smtClean="0"/>
-              <a:t>‹#›</a:t>
             </a:fld>
             <a:endParaRPr lang="zh-CN" altLang="en-US"/>
           </a:p>
         </p:txBody>
       </p:sp>
     </p:spTree>
-    <p:extLst>
-      <p:ext uri="{BB962C8B-B14F-4D97-AF65-F5344CB8AC3E}">
-        <p14:creationId xmlns:p14="http://schemas.microsoft.com/office/powerpoint/2010/main" val="3302325505"/>
-      </p:ext>
-    </p:extLst>
   </p:cSld>
   <p:clrMapOvr>
     <a:masterClrMapping/>
@@ -364,7 +356,7 @@
             <a:spLocks noGrp="1"/>
           </p:cNvSpPr>
           <p:nvPr>
-            <p:ph type="body" orient="vert" idx="1"/>
+            <p:ph type="body" orient="vert" idx="1" hasCustomPrompt="1"/>
           </p:nvPr>
         </p:nvSpPr>
         <p:spPr/>
@@ -377,6 +369,7 @@
               <a:rPr lang="zh-CN" altLang="en-US" smtClean="0"/>
               <a:t>编辑母版文本样式</a:t>
             </a:r>
+            <a:endParaRPr lang="zh-CN" altLang="en-US" smtClean="0"/>
           </a:p>
           <a:p>
             <a:pPr lvl="1"/>
@@ -384,6 +377,7 @@
               <a:rPr lang="zh-CN" altLang="en-US" smtClean="0"/>
               <a:t>第二级</a:t>
             </a:r>
+            <a:endParaRPr lang="zh-CN" altLang="en-US" smtClean="0"/>
           </a:p>
           <a:p>
             <a:pPr lvl="2"/>
@@ -391,6 +385,7 @@
               <a:rPr lang="zh-CN" altLang="en-US" smtClean="0"/>
               <a:t>第三级</a:t>
             </a:r>
+            <a:endParaRPr lang="zh-CN" altLang="en-US" smtClean="0"/>
           </a:p>
           <a:p>
             <a:pPr lvl="3"/>
@@ -398,6 +393,7 @@
               <a:rPr lang="zh-CN" altLang="en-US" smtClean="0"/>
               <a:t>第四级</a:t>
             </a:r>
+            <a:endParaRPr lang="zh-CN" altLang="en-US" smtClean="0"/>
           </a:p>
           <a:p>
             <a:pPr lvl="4"/>
@@ -426,7 +422,6 @@
           <a:p>
             <a:fld id="{CFA5DE2B-BD2F-4D0E-9DB8-2F1CC9243400}" type="datetimeFigureOut">
               <a:rPr lang="zh-CN" altLang="en-US" smtClean="0"/>
-              <a:t>2018/12/3</a:t>
             </a:fld>
             <a:endParaRPr lang="zh-CN" altLang="en-US"/>
           </a:p>
@@ -468,18 +463,12 @@
           <a:p>
             <a:fld id="{4F16DF9D-48D5-4515-BBE6-BFA12C95D697}" type="slidenum">
               <a:rPr lang="zh-CN" altLang="en-US" smtClean="0"/>
-              <a:t>‹#›</a:t>
             </a:fld>
             <a:endParaRPr lang="zh-CN" altLang="en-US"/>
           </a:p>
         </p:txBody>
       </p:sp>
     </p:spTree>
-    <p:extLst>
-      <p:ext uri="{BB962C8B-B14F-4D97-AF65-F5344CB8AC3E}">
-        <p14:creationId xmlns:p14="http://schemas.microsoft.com/office/powerpoint/2010/main" val="1172490857"/>
-      </p:ext>
-    </p:extLst>
   </p:cSld>
   <p:clrMapOvr>
     <a:masterClrMapping/>
@@ -539,7 +528,7 @@
             <a:spLocks noGrp="1"/>
           </p:cNvSpPr>
           <p:nvPr>
-            <p:ph type="body" orient="vert" idx="1"/>
+            <p:ph type="body" orient="vert" idx="1" hasCustomPrompt="1"/>
           </p:nvPr>
         </p:nvSpPr>
         <p:spPr>
@@ -557,6 +546,7 @@
               <a:rPr lang="zh-CN" altLang="en-US" smtClean="0"/>
               <a:t>编辑母版文本样式</a:t>
             </a:r>
+            <a:endParaRPr lang="zh-CN" altLang="en-US" smtClean="0"/>
           </a:p>
           <a:p>
             <a:pPr lvl="1"/>
@@ -564,6 +554,7 @@
               <a:rPr lang="zh-CN" altLang="en-US" smtClean="0"/>
               <a:t>第二级</a:t>
             </a:r>
+            <a:endParaRPr lang="zh-CN" altLang="en-US" smtClean="0"/>
           </a:p>
           <a:p>
             <a:pPr lvl="2"/>
@@ -571,6 +562,7 @@
               <a:rPr lang="zh-CN" altLang="en-US" smtClean="0"/>
               <a:t>第三级</a:t>
             </a:r>
+            <a:endParaRPr lang="zh-CN" altLang="en-US" smtClean="0"/>
           </a:p>
           <a:p>
             <a:pPr lvl="3"/>
@@ -578,6 +570,7 @@
               <a:rPr lang="zh-CN" altLang="en-US" smtClean="0"/>
               <a:t>第四级</a:t>
             </a:r>
+            <a:endParaRPr lang="zh-CN" altLang="en-US" smtClean="0"/>
           </a:p>
           <a:p>
             <a:pPr lvl="4"/>
@@ -606,7 +599,6 @@
           <a:p>
             <a:fld id="{CFA5DE2B-BD2F-4D0E-9DB8-2F1CC9243400}" type="datetimeFigureOut">
               <a:rPr lang="zh-CN" altLang="en-US" smtClean="0"/>
-              <a:t>2018/12/3</a:t>
             </a:fld>
             <a:endParaRPr lang="zh-CN" altLang="en-US"/>
           </a:p>
@@ -648,18 +640,12 @@
           <a:p>
             <a:fld id="{4F16DF9D-48D5-4515-BBE6-BFA12C95D697}" type="slidenum">
               <a:rPr lang="zh-CN" altLang="en-US" smtClean="0"/>
-              <a:t>‹#›</a:t>
             </a:fld>
             <a:endParaRPr lang="zh-CN" altLang="en-US"/>
           </a:p>
         </p:txBody>
       </p:sp>
     </p:spTree>
-    <p:extLst>
-      <p:ext uri="{BB962C8B-B14F-4D97-AF65-F5344CB8AC3E}">
-        <p14:creationId xmlns:p14="http://schemas.microsoft.com/office/powerpoint/2010/main" val="2501179145"/>
-      </p:ext>
-    </p:extLst>
   </p:cSld>
   <p:clrMapOvr>
     <a:masterClrMapping/>
@@ -714,7 +700,7 @@
             <a:spLocks noGrp="1"/>
           </p:cNvSpPr>
           <p:nvPr>
-            <p:ph idx="1"/>
+            <p:ph idx="1" hasCustomPrompt="1"/>
           </p:nvPr>
         </p:nvSpPr>
         <p:spPr/>
@@ -727,6 +713,7 @@
               <a:rPr lang="zh-CN" altLang="en-US" smtClean="0"/>
               <a:t>编辑母版文本样式</a:t>
             </a:r>
+            <a:endParaRPr lang="zh-CN" altLang="en-US" smtClean="0"/>
           </a:p>
           <a:p>
             <a:pPr lvl="1"/>
@@ -734,6 +721,7 @@
               <a:rPr lang="zh-CN" altLang="en-US" smtClean="0"/>
               <a:t>第二级</a:t>
             </a:r>
+            <a:endParaRPr lang="zh-CN" altLang="en-US" smtClean="0"/>
           </a:p>
           <a:p>
             <a:pPr lvl="2"/>
@@ -741,6 +729,7 @@
               <a:rPr lang="zh-CN" altLang="en-US" smtClean="0"/>
               <a:t>第三级</a:t>
             </a:r>
+            <a:endParaRPr lang="zh-CN" altLang="en-US" smtClean="0"/>
           </a:p>
           <a:p>
             <a:pPr lvl="3"/>
@@ -748,6 +737,7 @@
               <a:rPr lang="zh-CN" altLang="en-US" smtClean="0"/>
               <a:t>第四级</a:t>
             </a:r>
+            <a:endParaRPr lang="zh-CN" altLang="en-US" smtClean="0"/>
           </a:p>
           <a:p>
             <a:pPr lvl="4"/>
@@ -776,7 +766,6 @@
           <a:p>
             <a:fld id="{CFA5DE2B-BD2F-4D0E-9DB8-2F1CC9243400}" type="datetimeFigureOut">
               <a:rPr lang="zh-CN" altLang="en-US" smtClean="0"/>
-              <a:t>2018/12/3</a:t>
             </a:fld>
             <a:endParaRPr lang="zh-CN" altLang="en-US"/>
           </a:p>
@@ -818,18 +807,12 @@
           <a:p>
             <a:fld id="{4F16DF9D-48D5-4515-BBE6-BFA12C95D697}" type="slidenum">
               <a:rPr lang="zh-CN" altLang="en-US" smtClean="0"/>
-              <a:t>‹#›</a:t>
             </a:fld>
             <a:endParaRPr lang="zh-CN" altLang="en-US"/>
           </a:p>
         </p:txBody>
       </p:sp>
     </p:spTree>
-    <p:extLst>
-      <p:ext uri="{BB962C8B-B14F-4D97-AF65-F5344CB8AC3E}">
-        <p14:creationId xmlns:p14="http://schemas.microsoft.com/office/powerpoint/2010/main" val="1213056738"/>
-      </p:ext>
-    </p:extLst>
   </p:cSld>
   <p:clrMapOvr>
     <a:masterClrMapping/>
@@ -893,7 +876,7 @@
             <a:spLocks noGrp="1"/>
           </p:cNvSpPr>
           <p:nvPr>
-            <p:ph type="body" idx="1"/>
+            <p:ph type="body" idx="1" hasCustomPrompt="1"/>
           </p:nvPr>
         </p:nvSpPr>
         <p:spPr>
@@ -1002,6 +985,7 @@
               <a:rPr lang="zh-CN" altLang="en-US" smtClean="0"/>
               <a:t>编辑母版文本样式</a:t>
             </a:r>
+            <a:endParaRPr lang="zh-CN" altLang="en-US" smtClean="0"/>
           </a:p>
         </p:txBody>
       </p:sp>
@@ -1022,7 +1006,6 @@
           <a:p>
             <a:fld id="{CFA5DE2B-BD2F-4D0E-9DB8-2F1CC9243400}" type="datetimeFigureOut">
               <a:rPr lang="zh-CN" altLang="en-US" smtClean="0"/>
-              <a:t>2018/12/3</a:t>
             </a:fld>
             <a:endParaRPr lang="zh-CN" altLang="en-US"/>
           </a:p>
@@ -1064,18 +1047,12 @@
           <a:p>
             <a:fld id="{4F16DF9D-48D5-4515-BBE6-BFA12C95D697}" type="slidenum">
               <a:rPr lang="zh-CN" altLang="en-US" smtClean="0"/>
-              <a:t>‹#›</a:t>
             </a:fld>
             <a:endParaRPr lang="zh-CN" altLang="en-US"/>
           </a:p>
         </p:txBody>
       </p:sp>
     </p:spTree>
-    <p:extLst>
-      <p:ext uri="{BB962C8B-B14F-4D97-AF65-F5344CB8AC3E}">
-        <p14:creationId xmlns:p14="http://schemas.microsoft.com/office/powerpoint/2010/main" val="1820076442"/>
-      </p:ext>
-    </p:extLst>
   </p:cSld>
   <p:clrMapOvr>
     <a:masterClrMapping/>
@@ -1130,7 +1107,7 @@
             <a:spLocks noGrp="1"/>
           </p:cNvSpPr>
           <p:nvPr>
-            <p:ph sz="half" idx="1"/>
+            <p:ph sz="half" idx="1" hasCustomPrompt="1"/>
           </p:nvPr>
         </p:nvSpPr>
         <p:spPr>
@@ -1148,6 +1125,7 @@
               <a:rPr lang="zh-CN" altLang="en-US" smtClean="0"/>
               <a:t>编辑母版文本样式</a:t>
             </a:r>
+            <a:endParaRPr lang="zh-CN" altLang="en-US" smtClean="0"/>
           </a:p>
           <a:p>
             <a:pPr lvl="1"/>
@@ -1155,6 +1133,7 @@
               <a:rPr lang="zh-CN" altLang="en-US" smtClean="0"/>
               <a:t>第二级</a:t>
             </a:r>
+            <a:endParaRPr lang="zh-CN" altLang="en-US" smtClean="0"/>
           </a:p>
           <a:p>
             <a:pPr lvl="2"/>
@@ -1162,6 +1141,7 @@
               <a:rPr lang="zh-CN" altLang="en-US" smtClean="0"/>
               <a:t>第三级</a:t>
             </a:r>
+            <a:endParaRPr lang="zh-CN" altLang="en-US" smtClean="0"/>
           </a:p>
           <a:p>
             <a:pPr lvl="3"/>
@@ -1169,6 +1149,7 @@
               <a:rPr lang="zh-CN" altLang="en-US" smtClean="0"/>
               <a:t>第四级</a:t>
             </a:r>
+            <a:endParaRPr lang="zh-CN" altLang="en-US" smtClean="0"/>
           </a:p>
           <a:p>
             <a:pPr lvl="4"/>
@@ -1187,7 +1168,7 @@
             <a:spLocks noGrp="1"/>
           </p:cNvSpPr>
           <p:nvPr>
-            <p:ph sz="half" idx="2"/>
+            <p:ph sz="half" idx="2" hasCustomPrompt="1"/>
           </p:nvPr>
         </p:nvSpPr>
         <p:spPr>
@@ -1205,6 +1186,7 @@
               <a:rPr lang="zh-CN" altLang="en-US" smtClean="0"/>
               <a:t>编辑母版文本样式</a:t>
             </a:r>
+            <a:endParaRPr lang="zh-CN" altLang="en-US" smtClean="0"/>
           </a:p>
           <a:p>
             <a:pPr lvl="1"/>
@@ -1212,6 +1194,7 @@
               <a:rPr lang="zh-CN" altLang="en-US" smtClean="0"/>
               <a:t>第二级</a:t>
             </a:r>
+            <a:endParaRPr lang="zh-CN" altLang="en-US" smtClean="0"/>
           </a:p>
           <a:p>
             <a:pPr lvl="2"/>
@@ -1219,6 +1202,7 @@
               <a:rPr lang="zh-CN" altLang="en-US" smtClean="0"/>
               <a:t>第三级</a:t>
             </a:r>
+            <a:endParaRPr lang="zh-CN" altLang="en-US" smtClean="0"/>
           </a:p>
           <a:p>
             <a:pPr lvl="3"/>
@@ -1226,6 +1210,7 @@
               <a:rPr lang="zh-CN" altLang="en-US" smtClean="0"/>
               <a:t>第四级</a:t>
             </a:r>
+            <a:endParaRPr lang="zh-CN" altLang="en-US" smtClean="0"/>
           </a:p>
           <a:p>
             <a:pPr lvl="4"/>
@@ -1254,7 +1239,6 @@
           <a:p>
             <a:fld id="{CFA5DE2B-BD2F-4D0E-9DB8-2F1CC9243400}" type="datetimeFigureOut">
               <a:rPr lang="zh-CN" altLang="en-US" smtClean="0"/>
-              <a:t>2018/12/3</a:t>
             </a:fld>
             <a:endParaRPr lang="zh-CN" altLang="en-US"/>
           </a:p>
@@ -1296,18 +1280,12 @@
           <a:p>
             <a:fld id="{4F16DF9D-48D5-4515-BBE6-BFA12C95D697}" type="slidenum">
               <a:rPr lang="zh-CN" altLang="en-US" smtClean="0"/>
-              <a:t>‹#›</a:t>
             </a:fld>
             <a:endParaRPr lang="zh-CN" altLang="en-US"/>
           </a:p>
         </p:txBody>
       </p:sp>
     </p:spTree>
-    <p:extLst>
-      <p:ext uri="{BB962C8B-B14F-4D97-AF65-F5344CB8AC3E}">
-        <p14:creationId xmlns:p14="http://schemas.microsoft.com/office/powerpoint/2010/main" val="2810125825"/>
-      </p:ext>
-    </p:extLst>
   </p:cSld>
   <p:clrMapOvr>
     <a:masterClrMapping/>
@@ -1367,7 +1345,7 @@
             <a:spLocks noGrp="1"/>
           </p:cNvSpPr>
           <p:nvPr>
-            <p:ph type="body" idx="1"/>
+            <p:ph type="body" idx="1" hasCustomPrompt="1"/>
           </p:nvPr>
         </p:nvSpPr>
         <p:spPr>
@@ -1422,6 +1400,7 @@
               <a:rPr lang="zh-CN" altLang="en-US" smtClean="0"/>
               <a:t>编辑母版文本样式</a:t>
             </a:r>
+            <a:endParaRPr lang="zh-CN" altLang="en-US" smtClean="0"/>
           </a:p>
         </p:txBody>
       </p:sp>
@@ -1432,7 +1411,7 @@
             <a:spLocks noGrp="1"/>
           </p:cNvSpPr>
           <p:nvPr>
-            <p:ph sz="half" idx="2"/>
+            <p:ph sz="half" idx="2" hasCustomPrompt="1"/>
           </p:nvPr>
         </p:nvSpPr>
         <p:spPr>
@@ -1450,6 +1429,7 @@
               <a:rPr lang="zh-CN" altLang="en-US" smtClean="0"/>
               <a:t>编辑母版文本样式</a:t>
             </a:r>
+            <a:endParaRPr lang="zh-CN" altLang="en-US" smtClean="0"/>
           </a:p>
           <a:p>
             <a:pPr lvl="1"/>
@@ -1457,6 +1437,7 @@
               <a:rPr lang="zh-CN" altLang="en-US" smtClean="0"/>
               <a:t>第二级</a:t>
             </a:r>
+            <a:endParaRPr lang="zh-CN" altLang="en-US" smtClean="0"/>
           </a:p>
           <a:p>
             <a:pPr lvl="2"/>
@@ -1464,6 +1445,7 @@
               <a:rPr lang="zh-CN" altLang="en-US" smtClean="0"/>
               <a:t>第三级</a:t>
             </a:r>
+            <a:endParaRPr lang="zh-CN" altLang="en-US" smtClean="0"/>
           </a:p>
           <a:p>
             <a:pPr lvl="3"/>
@@ -1471,6 +1453,7 @@
               <a:rPr lang="zh-CN" altLang="en-US" smtClean="0"/>
               <a:t>第四级</a:t>
             </a:r>
+            <a:endParaRPr lang="zh-CN" altLang="en-US" smtClean="0"/>
           </a:p>
           <a:p>
             <a:pPr lvl="4"/>
@@ -1489,7 +1472,7 @@
             <a:spLocks noGrp="1"/>
           </p:cNvSpPr>
           <p:nvPr>
-            <p:ph type="body" sz="quarter" idx="3"/>
+            <p:ph type="body" sz="quarter" idx="3" hasCustomPrompt="1"/>
           </p:nvPr>
         </p:nvSpPr>
         <p:spPr>
@@ -1544,6 +1527,7 @@
               <a:rPr lang="zh-CN" altLang="en-US" smtClean="0"/>
               <a:t>编辑母版文本样式</a:t>
             </a:r>
+            <a:endParaRPr lang="zh-CN" altLang="en-US" smtClean="0"/>
           </a:p>
         </p:txBody>
       </p:sp>
@@ -1554,7 +1538,7 @@
             <a:spLocks noGrp="1"/>
           </p:cNvSpPr>
           <p:nvPr>
-            <p:ph sz="quarter" idx="4"/>
+            <p:ph sz="quarter" idx="4" hasCustomPrompt="1"/>
           </p:nvPr>
         </p:nvSpPr>
         <p:spPr>
@@ -1572,6 +1556,7 @@
               <a:rPr lang="zh-CN" altLang="en-US" smtClean="0"/>
               <a:t>编辑母版文本样式</a:t>
             </a:r>
+            <a:endParaRPr lang="zh-CN" altLang="en-US" smtClean="0"/>
           </a:p>
           <a:p>
             <a:pPr lvl="1"/>
@@ -1579,6 +1564,7 @@
               <a:rPr lang="zh-CN" altLang="en-US" smtClean="0"/>
               <a:t>第二级</a:t>
             </a:r>
+            <a:endParaRPr lang="zh-CN" altLang="en-US" smtClean="0"/>
           </a:p>
           <a:p>
             <a:pPr lvl="2"/>
@@ -1586,6 +1572,7 @@
               <a:rPr lang="zh-CN" altLang="en-US" smtClean="0"/>
               <a:t>第三级</a:t>
             </a:r>
+            <a:endParaRPr lang="zh-CN" altLang="en-US" smtClean="0"/>
           </a:p>
           <a:p>
             <a:pPr lvl="3"/>
@@ -1593,6 +1580,7 @@
               <a:rPr lang="zh-CN" altLang="en-US" smtClean="0"/>
               <a:t>第四级</a:t>
             </a:r>
+            <a:endParaRPr lang="zh-CN" altLang="en-US" smtClean="0"/>
           </a:p>
           <a:p>
             <a:pPr lvl="4"/>
@@ -1621,7 +1609,6 @@
           <a:p>
             <a:fld id="{CFA5DE2B-BD2F-4D0E-9DB8-2F1CC9243400}" type="datetimeFigureOut">
               <a:rPr lang="zh-CN" altLang="en-US" smtClean="0"/>
-              <a:t>2018/12/3</a:t>
             </a:fld>
             <a:endParaRPr lang="zh-CN" altLang="en-US"/>
           </a:p>
@@ -1663,18 +1650,12 @@
           <a:p>
             <a:fld id="{4F16DF9D-48D5-4515-BBE6-BFA12C95D697}" type="slidenum">
               <a:rPr lang="zh-CN" altLang="en-US" smtClean="0"/>
-              <a:t>‹#›</a:t>
             </a:fld>
             <a:endParaRPr lang="zh-CN" altLang="en-US"/>
           </a:p>
         </p:txBody>
       </p:sp>
     </p:spTree>
-    <p:extLst>
-      <p:ext uri="{BB962C8B-B14F-4D97-AF65-F5344CB8AC3E}">
-        <p14:creationId xmlns:p14="http://schemas.microsoft.com/office/powerpoint/2010/main" val="3864793168"/>
-      </p:ext>
-    </p:extLst>
   </p:cSld>
   <p:clrMapOvr>
     <a:masterClrMapping/>
@@ -1739,7 +1720,6 @@
           <a:p>
             <a:fld id="{CFA5DE2B-BD2F-4D0E-9DB8-2F1CC9243400}" type="datetimeFigureOut">
               <a:rPr lang="zh-CN" altLang="en-US" smtClean="0"/>
-              <a:t>2018/12/3</a:t>
             </a:fld>
             <a:endParaRPr lang="zh-CN" altLang="en-US"/>
           </a:p>
@@ -1781,18 +1761,12 @@
           <a:p>
             <a:fld id="{4F16DF9D-48D5-4515-BBE6-BFA12C95D697}" type="slidenum">
               <a:rPr lang="zh-CN" altLang="en-US" smtClean="0"/>
-              <a:t>‹#›</a:t>
             </a:fld>
             <a:endParaRPr lang="zh-CN" altLang="en-US"/>
           </a:p>
         </p:txBody>
       </p:sp>
     </p:spTree>
-    <p:extLst>
-      <p:ext uri="{BB962C8B-B14F-4D97-AF65-F5344CB8AC3E}">
-        <p14:creationId xmlns:p14="http://schemas.microsoft.com/office/powerpoint/2010/main" val="3203013087"/>
-      </p:ext>
-    </p:extLst>
   </p:cSld>
   <p:clrMapOvr>
     <a:masterClrMapping/>
@@ -1834,7 +1808,6 @@
           <a:p>
             <a:fld id="{CFA5DE2B-BD2F-4D0E-9DB8-2F1CC9243400}" type="datetimeFigureOut">
               <a:rPr lang="zh-CN" altLang="en-US" smtClean="0"/>
-              <a:t>2018/12/3</a:t>
             </a:fld>
             <a:endParaRPr lang="zh-CN" altLang="en-US"/>
           </a:p>
@@ -1876,18 +1849,12 @@
           <a:p>
             <a:fld id="{4F16DF9D-48D5-4515-BBE6-BFA12C95D697}" type="slidenum">
               <a:rPr lang="zh-CN" altLang="en-US" smtClean="0"/>
-              <a:t>‹#›</a:t>
             </a:fld>
             <a:endParaRPr lang="zh-CN" altLang="en-US"/>
           </a:p>
         </p:txBody>
       </p:sp>
     </p:spTree>
-    <p:extLst>
-      <p:ext uri="{BB962C8B-B14F-4D97-AF65-F5344CB8AC3E}">
-        <p14:creationId xmlns:p14="http://schemas.microsoft.com/office/powerpoint/2010/main" val="1134420331"/>
-      </p:ext>
-    </p:extLst>
   </p:cSld>
   <p:clrMapOvr>
     <a:masterClrMapping/>
@@ -1951,7 +1918,7 @@
             <a:spLocks noGrp="1"/>
           </p:cNvSpPr>
           <p:nvPr>
-            <p:ph idx="1"/>
+            <p:ph idx="1" hasCustomPrompt="1"/>
           </p:nvPr>
         </p:nvSpPr>
         <p:spPr>
@@ -1997,6 +1964,7 @@
               <a:rPr lang="zh-CN" altLang="en-US" smtClean="0"/>
               <a:t>编辑母版文本样式</a:t>
             </a:r>
+            <a:endParaRPr lang="zh-CN" altLang="en-US" smtClean="0"/>
           </a:p>
           <a:p>
             <a:pPr lvl="1"/>
@@ -2004,6 +1972,7 @@
               <a:rPr lang="zh-CN" altLang="en-US" smtClean="0"/>
               <a:t>第二级</a:t>
             </a:r>
+            <a:endParaRPr lang="zh-CN" altLang="en-US" smtClean="0"/>
           </a:p>
           <a:p>
             <a:pPr lvl="2"/>
@@ -2011,6 +1980,7 @@
               <a:rPr lang="zh-CN" altLang="en-US" smtClean="0"/>
               <a:t>第三级</a:t>
             </a:r>
+            <a:endParaRPr lang="zh-CN" altLang="en-US" smtClean="0"/>
           </a:p>
           <a:p>
             <a:pPr lvl="3"/>
@@ -2018,6 +1988,7 @@
               <a:rPr lang="zh-CN" altLang="en-US" smtClean="0"/>
               <a:t>第四级</a:t>
             </a:r>
+            <a:endParaRPr lang="zh-CN" altLang="en-US" smtClean="0"/>
           </a:p>
           <a:p>
             <a:pPr lvl="4"/>
@@ -2036,7 +2007,7 @@
             <a:spLocks noGrp="1"/>
           </p:cNvSpPr>
           <p:nvPr>
-            <p:ph type="body" sz="half" idx="2"/>
+            <p:ph type="body" sz="half" idx="2" hasCustomPrompt="1"/>
           </p:nvPr>
         </p:nvSpPr>
         <p:spPr>
@@ -2091,6 +2062,7 @@
               <a:rPr lang="zh-CN" altLang="en-US" smtClean="0"/>
               <a:t>编辑母版文本样式</a:t>
             </a:r>
+            <a:endParaRPr lang="zh-CN" altLang="en-US" smtClean="0"/>
           </a:p>
         </p:txBody>
       </p:sp>
@@ -2111,7 +2083,6 @@
           <a:p>
             <a:fld id="{CFA5DE2B-BD2F-4D0E-9DB8-2F1CC9243400}" type="datetimeFigureOut">
               <a:rPr lang="zh-CN" altLang="en-US" smtClean="0"/>
-              <a:t>2018/12/3</a:t>
             </a:fld>
             <a:endParaRPr lang="zh-CN" altLang="en-US"/>
           </a:p>
@@ -2153,18 +2124,12 @@
           <a:p>
             <a:fld id="{4F16DF9D-48D5-4515-BBE6-BFA12C95D697}" type="slidenum">
               <a:rPr lang="zh-CN" altLang="en-US" smtClean="0"/>
-              <a:t>‹#›</a:t>
             </a:fld>
             <a:endParaRPr lang="zh-CN" altLang="en-US"/>
           </a:p>
         </p:txBody>
       </p:sp>
     </p:spTree>
-    <p:extLst>
-      <p:ext uri="{BB962C8B-B14F-4D97-AF65-F5344CB8AC3E}">
-        <p14:creationId xmlns:p14="http://schemas.microsoft.com/office/powerpoint/2010/main" val="1464210657"/>
-      </p:ext>
-    </p:extLst>
   </p:cSld>
   <p:clrMapOvr>
     <a:masterClrMapping/>
@@ -2289,7 +2254,7 @@
             <a:spLocks noGrp="1"/>
           </p:cNvSpPr>
           <p:nvPr>
-            <p:ph type="body" sz="half" idx="2"/>
+            <p:ph type="body" sz="half" idx="2" hasCustomPrompt="1"/>
           </p:nvPr>
         </p:nvSpPr>
         <p:spPr>
@@ -2344,6 +2309,7 @@
               <a:rPr lang="zh-CN" altLang="en-US" smtClean="0"/>
               <a:t>编辑母版文本样式</a:t>
             </a:r>
+            <a:endParaRPr lang="zh-CN" altLang="en-US" smtClean="0"/>
           </a:p>
         </p:txBody>
       </p:sp>
@@ -2364,7 +2330,6 @@
           <a:p>
             <a:fld id="{CFA5DE2B-BD2F-4D0E-9DB8-2F1CC9243400}" type="datetimeFigureOut">
               <a:rPr lang="zh-CN" altLang="en-US" smtClean="0"/>
-              <a:t>2018/12/3</a:t>
             </a:fld>
             <a:endParaRPr lang="zh-CN" altLang="en-US"/>
           </a:p>
@@ -2406,18 +2371,12 @@
           <a:p>
             <a:fld id="{4F16DF9D-48D5-4515-BBE6-BFA12C95D697}" type="slidenum">
               <a:rPr lang="zh-CN" altLang="en-US" smtClean="0"/>
-              <a:t>‹#›</a:t>
             </a:fld>
             <a:endParaRPr lang="zh-CN" altLang="en-US"/>
           </a:p>
         </p:txBody>
       </p:sp>
     </p:spTree>
-    <p:extLst>
-      <p:ext uri="{BB962C8B-B14F-4D97-AF65-F5344CB8AC3E}">
-        <p14:creationId xmlns:p14="http://schemas.microsoft.com/office/powerpoint/2010/main" val="4011309830"/>
-      </p:ext>
-    </p:extLst>
   </p:cSld>
   <p:clrMapOvr>
     <a:masterClrMapping/>
@@ -2510,6 +2469,7 @@
               <a:rPr lang="zh-CN" altLang="en-US" smtClean="0"/>
               <a:t>编辑母版文本样式</a:t>
             </a:r>
+            <a:endParaRPr lang="zh-CN" altLang="en-US" smtClean="0"/>
           </a:p>
           <a:p>
             <a:pPr lvl="1"/>
@@ -2517,6 +2477,7 @@
               <a:rPr lang="zh-CN" altLang="en-US" smtClean="0"/>
               <a:t>第二级</a:t>
             </a:r>
+            <a:endParaRPr lang="zh-CN" altLang="en-US" smtClean="0"/>
           </a:p>
           <a:p>
             <a:pPr lvl="2"/>
@@ -2524,6 +2485,7 @@
               <a:rPr lang="zh-CN" altLang="en-US" smtClean="0"/>
               <a:t>第三级</a:t>
             </a:r>
+            <a:endParaRPr lang="zh-CN" altLang="en-US" smtClean="0"/>
           </a:p>
           <a:p>
             <a:pPr lvl="3"/>
@@ -2531,6 +2493,7 @@
               <a:rPr lang="zh-CN" altLang="en-US" smtClean="0"/>
               <a:t>第四级</a:t>
             </a:r>
+            <a:endParaRPr lang="zh-CN" altLang="en-US" smtClean="0"/>
           </a:p>
           <a:p>
             <a:pPr lvl="4"/>
@@ -2577,7 +2540,6 @@
           <a:p>
             <a:fld id="{CFA5DE2B-BD2F-4D0E-9DB8-2F1CC9243400}" type="datetimeFigureOut">
               <a:rPr lang="zh-CN" altLang="en-US" smtClean="0"/>
-              <a:t>2018/12/3</a:t>
             </a:fld>
             <a:endParaRPr lang="zh-CN" altLang="en-US"/>
           </a:p>
@@ -2655,18 +2617,12 @@
           <a:p>
             <a:fld id="{4F16DF9D-48D5-4515-BBE6-BFA12C95D697}" type="slidenum">
               <a:rPr lang="zh-CN" altLang="en-US" smtClean="0"/>
-              <a:t>‹#›</a:t>
             </a:fld>
             <a:endParaRPr lang="zh-CN" altLang="en-US"/>
           </a:p>
         </p:txBody>
       </p:sp>
     </p:spTree>
-    <p:extLst>
-      <p:ext uri="{BB962C8B-B14F-4D97-AF65-F5344CB8AC3E}">
-        <p14:creationId xmlns:p14="http://schemas.microsoft.com/office/powerpoint/2010/main" val="1597950492"/>
-      </p:ext>
-    </p:extLst>
   </p:cSld>
   <p:clrMap bg1="lt1" tx1="dk1" bg2="lt2" tx2="dk2" accent1="accent1" accent2="accent2" accent3="accent3" accent4="accent4" accent5="accent5" accent6="accent6" hlink="hlink" folHlink="folHlink"/>
   <p:sldLayoutIdLst>
@@ -2999,7 +2955,7 @@
           <a:p>
             <a:r>
               <a:rPr lang="zh-CN" altLang="en-US" dirty="0" smtClean="0"/>
-              <a:t>前端工程化几个常用工具</a:t>
+              <a:t>前端工程化几个工具</a:t>
             </a:r>
             <a:endParaRPr lang="zh-CN" altLang="en-US" dirty="0"/>
           </a:p>
@@ -3025,11 +2981,6 @@
         </p:txBody>
       </p:sp>
     </p:spTree>
-    <p:extLst>
-      <p:ext uri="{BB962C8B-B14F-4D97-AF65-F5344CB8AC3E}">
-        <p14:creationId xmlns:p14="http://schemas.microsoft.com/office/powerpoint/2010/main" val="3149695057"/>
-      </p:ext>
-    </p:extLst>
   </p:cSld>
   <p:clrMapOvr>
     <a:masterClrMapping/>
@@ -3046,17 +2997,10 @@
         <p:cNvGrpSpPr/>
         <p:nvPr/>
       </p:nvGrpSpPr>
-      <p:grpSpPr>
-        <a:xfrm>
-          <a:off x="0" y="0"/>
-          <a:ext cx="0" cy="0"/>
-          <a:chOff x="0" y="0"/>
-          <a:chExt cx="0" cy="0"/>
-        </a:xfrm>
-      </p:grpSpPr>
-      <p:sp>
-        <p:nvSpPr>
-          <p:cNvPr id="4" name="标题 3"/>
+      <p:grpSpPr/>
+      <p:sp>
+        <p:nvSpPr>
+          <p:cNvPr id="2" name="标题 1"/>
           <p:cNvSpPr>
             <a:spLocks noGrp="1"/>
           </p:cNvSpPr>
@@ -3067,19 +3011,20 @@
         <p:spPr/>
         <p:txBody>
           <a:bodyPr/>
-          <a:lstStyle/>
-          <a:p>
-            <a:r>
-              <a:rPr lang="en-US" altLang="zh-CN" dirty="0" err="1" smtClean="0"/>
-              <a:t>eslint</a:t>
-            </a:r>
-            <a:endParaRPr lang="zh-CN" altLang="en-US" dirty="0"/>
-          </a:p>
-        </p:txBody>
-      </p:sp>
-      <p:sp>
-        <p:nvSpPr>
-          <p:cNvPr id="5" name="内容占位符 4"/>
+          <a:p>
+            <a:r>
+              <a:rPr lang="en-US" altLang="zh-CN" dirty="0">
+                <a:sym typeface="+mn-ea"/>
+              </a:rPr>
+              <a:t>husky</a:t>
+            </a:r>
+            <a:endParaRPr lang="zh-CN" altLang="en-US"/>
+          </a:p>
+        </p:txBody>
+      </p:sp>
+      <p:sp>
+        <p:nvSpPr>
+          <p:cNvPr id="3" name="内容占位符 2"/>
           <p:cNvSpPr>
             <a:spLocks noGrp="1"/>
           </p:cNvSpPr>
@@ -3089,79 +3034,104 @@
         </p:nvSpPr>
         <p:spPr/>
         <p:txBody>
-          <a:bodyPr/>
-          <a:lstStyle/>
-          <a:p>
-            <a:r>
-              <a:rPr lang="en-US" altLang="zh-CN" dirty="0" err="1" smtClean="0"/>
-              <a:t>ESLint</a:t>
-            </a:r>
-            <a:r>
-              <a:rPr lang="en-US" altLang="zh-CN" dirty="0" smtClean="0"/>
-              <a:t> </a:t>
-            </a:r>
-            <a:r>
-              <a:rPr lang="zh-CN" altLang="en-US" dirty="0"/>
-              <a:t>是一个语法规则和代码风格的检查工具，可以用来保证写出语法正确、风格统一的代码</a:t>
-            </a:r>
-            <a:r>
-              <a:rPr lang="zh-CN" altLang="en-US" dirty="0" smtClean="0"/>
-              <a:t>。</a:t>
-            </a:r>
-            <a:endParaRPr lang="en-US" altLang="zh-CN" dirty="0" smtClean="0"/>
-          </a:p>
-          <a:p>
-            <a:endParaRPr lang="en-US" altLang="zh-CN" dirty="0"/>
-          </a:p>
-          <a:p>
-            <a:r>
-              <a:rPr lang="en-US" altLang="zh-CN" smtClean="0"/>
-              <a:t>API:  https</a:t>
-            </a:r>
-            <a:r>
-              <a:rPr lang="en-US" altLang="zh-CN" dirty="0"/>
-              <a:t>://cn.eslint.org/docs/rules/</a:t>
-            </a:r>
-            <a:endParaRPr lang="zh-CN" altLang="en-US" dirty="0"/>
-          </a:p>
-        </p:txBody>
-      </p:sp>
-      <p:pic>
-        <p:nvPicPr>
-          <p:cNvPr id="8" name="图片 7"/>
-          <p:cNvPicPr>
-            <a:picLocks noChangeAspect="1"/>
-          </p:cNvPicPr>
-          <p:nvPr/>
-        </p:nvPicPr>
-        <p:blipFill>
-          <a:blip r:embed="rId2">
-            <a:extLst>
-              <a:ext uri="{28A0092B-C50C-407E-A947-70E740481C1C}">
-                <a14:useLocalDpi xmlns:a14="http://schemas.microsoft.com/office/drawing/2010/main" val="0"/>
-              </a:ext>
-            </a:extLst>
-          </a:blip>
-          <a:stretch>
-            <a:fillRect/>
-          </a:stretch>
-        </p:blipFill>
-        <p:spPr>
-          <a:xfrm>
-            <a:off x="8979876" y="175540"/>
-            <a:ext cx="1704731" cy="1704731"/>
-          </a:xfrm>
-          <a:prstGeom prst="rect">
-            <a:avLst/>
-          </a:prstGeom>
-        </p:spPr>
-      </p:pic>
+          <a:bodyPr>
+            <a:normAutofit lnSpcReduction="10000"/>
+          </a:bodyPr>
+          <a:p>
+            <a:pPr marL="0" indent="0">
+              <a:buNone/>
+            </a:pPr>
+            <a:r>
+              <a:rPr lang="zh-CN" altLang="en-US"/>
+              <a:t>"scripts": {</a:t>
+            </a:r>
+            <a:endParaRPr lang="zh-CN" altLang="en-US"/>
+          </a:p>
+          <a:p>
+            <a:pPr marL="0" indent="0">
+              <a:buNone/>
+            </a:pPr>
+            <a:r>
+              <a:rPr lang="en-US" altLang="zh-CN"/>
+              <a:t>    </a:t>
+            </a:r>
+            <a:r>
+              <a:rPr lang="zh-CN" altLang="en-US">
+                <a:sym typeface="+mn-ea"/>
+              </a:rPr>
+              <a:t>"precommit": "gulp git:diff &amp;&amp; node script/lintScript.js"</a:t>
+            </a:r>
+            <a:endParaRPr lang="zh-CN" altLang="en-US"/>
+          </a:p>
+          <a:p>
+            <a:pPr marL="0" indent="0">
+              <a:buNone/>
+            </a:pPr>
+            <a:r>
+              <a:rPr lang="en-US" altLang="zh-CN"/>
+              <a:t>}</a:t>
+            </a:r>
+            <a:endParaRPr lang="zh-CN" altLang="en-US"/>
+          </a:p>
+          <a:p>
+            <a:pPr marL="0" indent="0">
+              <a:buNone/>
+            </a:pPr>
+            <a:endParaRPr lang="zh-CN" altLang="en-US"/>
+          </a:p>
+          <a:p>
+            <a:pPr marL="0" indent="0">
+              <a:buNone/>
+            </a:pPr>
+            <a:r>
+              <a:rPr lang="zh-CN" altLang="en-US"/>
+              <a:t>"husky": {</a:t>
+            </a:r>
+            <a:endParaRPr lang="zh-CN" altLang="en-US"/>
+          </a:p>
+          <a:p>
+            <a:pPr marL="0" indent="0">
+              <a:buNone/>
+            </a:pPr>
+            <a:r>
+              <a:rPr lang="zh-CN" altLang="en-US"/>
+              <a:t>    "hooks": {</a:t>
+            </a:r>
+            <a:endParaRPr lang="zh-CN" altLang="en-US"/>
+          </a:p>
+          <a:p>
+            <a:pPr marL="0" indent="0">
+              <a:buNone/>
+            </a:pPr>
+            <a:r>
+              <a:rPr lang="zh-CN" altLang="en-US"/>
+              <a:t>      "pre-commit": "gulp git:diff &amp;&amp; node script/lintScript.js"</a:t>
+            </a:r>
+            <a:endParaRPr lang="zh-CN" altLang="en-US"/>
+          </a:p>
+          <a:p>
+            <a:pPr marL="0" indent="0">
+              <a:buNone/>
+            </a:pPr>
+            <a:r>
+              <a:rPr lang="zh-CN" altLang="en-US"/>
+              <a:t>    }</a:t>
+            </a:r>
+            <a:endParaRPr lang="zh-CN" altLang="en-US"/>
+          </a:p>
+          <a:p>
+            <a:pPr marL="0" indent="0">
+              <a:buNone/>
+            </a:pPr>
+            <a:r>
+              <a:rPr lang="zh-CN" altLang="en-US"/>
+              <a:t>  }</a:t>
+            </a:r>
+            <a:endParaRPr lang="zh-CN" altLang="en-US"/>
+          </a:p>
+        </p:txBody>
+      </p:sp>
     </p:spTree>
-    <p:extLst>
-      <p:ext uri="{BB962C8B-B14F-4D97-AF65-F5344CB8AC3E}">
-        <p14:creationId xmlns:p14="http://schemas.microsoft.com/office/powerpoint/2010/main" val="4144546214"/>
-      </p:ext>
-    </p:extLst>
   </p:cSld>
   <p:clrMapOvr>
     <a:masterClrMapping/>
@@ -3188,7 +3158,7 @@
       </p:grpSpPr>
       <p:sp>
         <p:nvSpPr>
-          <p:cNvPr id="2" name="标题 1"/>
+          <p:cNvPr id="4" name="标题 3"/>
           <p:cNvSpPr>
             <a:spLocks noGrp="1"/>
           </p:cNvSpPr>
@@ -3202,102 +3172,109 @@
           <a:lstStyle/>
           <a:p>
             <a:r>
+              <a:rPr lang="en-US" altLang="zh-CN" dirty="0" err="1" smtClean="0"/>
+              <a:t>eslint</a:t>
+            </a:r>
+            <a:endParaRPr lang="zh-CN" altLang="en-US" dirty="0"/>
+          </a:p>
+        </p:txBody>
+      </p:sp>
+      <p:sp>
+        <p:nvSpPr>
+          <p:cNvPr id="5" name="内容占位符 4"/>
+          <p:cNvSpPr>
+            <a:spLocks noGrp="1"/>
+          </p:cNvSpPr>
+          <p:nvPr>
+            <p:ph idx="1"/>
+          </p:nvPr>
+        </p:nvSpPr>
+        <p:spPr/>
+        <p:txBody>
+          <a:bodyPr>
+            <a:normAutofit lnSpcReduction="10000"/>
+          </a:bodyPr>
+          <a:lstStyle/>
+          <a:p>
+            <a:pPr marL="0" indent="0">
+              <a:buNone/>
+            </a:pPr>
+            <a:r>
+              <a:rPr lang="en-US" altLang="zh-CN" dirty="0" smtClean="0">
+                <a:sym typeface="+mn-ea"/>
+              </a:rPr>
+              <a:t>eslint</a:t>
+            </a:r>
+            <a:r>
+              <a:rPr lang="zh-CN" altLang="en-US" dirty="0" smtClean="0">
+                <a:sym typeface="+mn-ea"/>
+              </a:rPr>
+              <a:t>是什么</a:t>
+            </a:r>
+            <a:endParaRPr lang="en-US" altLang="zh-CN" dirty="0" err="1" smtClean="0"/>
+          </a:p>
+          <a:p>
+            <a:endParaRPr lang="en-US" altLang="zh-CN" dirty="0" err="1" smtClean="0"/>
+          </a:p>
+          <a:p>
+            <a:r>
+              <a:rPr lang="en-US" altLang="zh-CN" dirty="0" err="1" smtClean="0"/>
+              <a:t>ESLint</a:t>
+            </a:r>
+            <a:r>
               <a:rPr lang="en-US" altLang="zh-CN" dirty="0" smtClean="0"/>
-              <a:t>prettier</a:t>
-            </a:r>
-            <a:endParaRPr lang="zh-CN" altLang="en-US" dirty="0"/>
-          </a:p>
-        </p:txBody>
-      </p:sp>
-      <p:sp>
-        <p:nvSpPr>
-          <p:cNvPr id="3" name="内容占位符 2"/>
-          <p:cNvSpPr>
-            <a:spLocks noGrp="1"/>
-          </p:cNvSpPr>
-          <p:nvPr>
-            <p:ph idx="1"/>
-          </p:nvPr>
-        </p:nvSpPr>
-        <p:spPr/>
-        <p:txBody>
-          <a:bodyPr/>
-          <a:lstStyle/>
-          <a:p>
-            <a:pPr marL="0" indent="0">
-              <a:buNone/>
-            </a:pPr>
+              <a:t> </a:t>
+            </a:r>
+            <a:r>
+              <a:rPr lang="zh-CN" altLang="en-US" dirty="0"/>
+              <a:t>是一个语法规则和代码风格的检查工具，可以用来保证写出语法正确、风格统一的代码</a:t>
+            </a:r>
+            <a:r>
+              <a:rPr lang="zh-CN" altLang="en-US" dirty="0" smtClean="0"/>
+              <a:t>。</a:t>
+            </a:r>
+            <a:endParaRPr lang="zh-CN" altLang="en-US" dirty="0" smtClean="0"/>
+          </a:p>
+          <a:p>
+            <a:endParaRPr lang="zh-CN" altLang="en-US" dirty="0" smtClean="0"/>
+          </a:p>
+          <a:p>
+            <a:r>
+              <a:rPr lang="zh-CN" altLang="en-US" dirty="0" smtClean="0"/>
+              <a:t>配置文件：</a:t>
+            </a:r>
             <a:r>
               <a:rPr lang="en-US" altLang="zh-CN" dirty="0" smtClean="0"/>
-              <a:t>Prettier</a:t>
-            </a:r>
-            <a:r>
-              <a:rPr lang="zh-CN" altLang="en-US" dirty="0" smtClean="0"/>
-              <a:t>是什么</a:t>
+              <a:t>.eslintrc</a:t>
             </a:r>
             <a:endParaRPr lang="en-US" altLang="zh-CN" dirty="0" smtClean="0"/>
           </a:p>
           <a:p>
-            <a:endParaRPr lang="en-US" altLang="zh-CN" dirty="0" smtClean="0"/>
-          </a:p>
-          <a:p>
-            <a:r>
-              <a:rPr lang="en-US" altLang="zh-CN" dirty="0" smtClean="0"/>
-              <a:t>prettier</a:t>
-            </a:r>
-            <a:r>
-              <a:rPr lang="zh-CN" altLang="en-US" dirty="0" smtClean="0"/>
-              <a:t>是</a:t>
-            </a:r>
-            <a:r>
-              <a:rPr lang="zh-CN" altLang="en-US" dirty="0"/>
-              <a:t>一个流行的代码格式化工具的名称，它能够解析代码，使用你自己设定</a:t>
-            </a:r>
-            <a:r>
-              <a:rPr lang="zh-CN" altLang="en-US" dirty="0" smtClean="0"/>
-              <a:t>的规则来重新打印出格式规范的代码。</a:t>
-            </a:r>
             <a:endParaRPr lang="en-US" altLang="zh-CN" dirty="0"/>
           </a:p>
           <a:p>
             <a:r>
-              <a:rPr lang="zh-CN" altLang="en-US" dirty="0"/>
-              <a:t>可配置化</a:t>
-            </a:r>
-          </a:p>
-          <a:p>
-            <a:r>
-              <a:rPr lang="zh-CN" altLang="en-US" dirty="0"/>
-              <a:t>支持多种语言</a:t>
-            </a:r>
-          </a:p>
-          <a:p>
-            <a:r>
-              <a:rPr lang="zh-CN" altLang="en-US" dirty="0"/>
-              <a:t>集成多数的编辑器</a:t>
-            </a:r>
-          </a:p>
-          <a:p>
-            <a:r>
-              <a:rPr lang="zh-CN" altLang="en-US" dirty="0"/>
-              <a:t>简洁的配置项</a:t>
-            </a:r>
-          </a:p>
-          <a:p>
+              <a:rPr lang="en-US" altLang="zh-CN" smtClean="0"/>
+              <a:t>API:  https</a:t>
+            </a:r>
+            <a:r>
+              <a:rPr lang="en-US" altLang="zh-CN" dirty="0"/>
+              <a:t>://cn.eslint.org/docs/rules/</a:t>
+            </a:r>
             <a:endParaRPr lang="zh-CN" altLang="en-US" dirty="0"/>
           </a:p>
         </p:txBody>
       </p:sp>
       <p:pic>
         <p:nvPicPr>
-          <p:cNvPr id="4" name="内容占位符 3"/>
+          <p:cNvPr id="8" name="图片 7"/>
           <p:cNvPicPr>
             <a:picLocks noChangeAspect="1"/>
           </p:cNvPicPr>
           <p:nvPr/>
         </p:nvPicPr>
         <p:blipFill>
-          <a:blip r:embed="rId2" cstate="print">
+          <a:blip r:embed="rId1">
             <a:extLst>
               <a:ext uri="{28A0092B-C50C-407E-A947-70E740481C1C}">
                 <a14:useLocalDpi xmlns:a14="http://schemas.microsoft.com/office/drawing/2010/main" val="0"/>
@@ -3310,8 +3287,8 @@
         </p:blipFill>
         <p:spPr>
           <a:xfrm>
-            <a:off x="8554915" y="365125"/>
-            <a:ext cx="2648390" cy="1103496"/>
+            <a:off x="8979876" y="175540"/>
+            <a:ext cx="1704731" cy="1704731"/>
           </a:xfrm>
           <a:prstGeom prst="rect">
             <a:avLst/>
@@ -3319,11 +3296,6 @@
         </p:spPr>
       </p:pic>
     </p:spTree>
-    <p:extLst>
-      <p:ext uri="{BB962C8B-B14F-4D97-AF65-F5344CB8AC3E}">
-        <p14:creationId xmlns:p14="http://schemas.microsoft.com/office/powerpoint/2010/main" val="2168828826"/>
-      </p:ext>
-    </p:extLst>
   </p:cSld>
   <p:clrMapOvr>
     <a:masterClrMapping/>
@@ -3340,14 +3312,7 @@
         <p:cNvGrpSpPr/>
         <p:nvPr/>
       </p:nvGrpSpPr>
-      <p:grpSpPr>
-        <a:xfrm>
-          <a:off x="0" y="0"/>
-          <a:ext cx="0" cy="0"/>
-          <a:chOff x="0" y="0"/>
-          <a:chExt cx="0" cy="0"/>
-        </a:xfrm>
-      </p:grpSpPr>
+      <p:grpSpPr/>
       <p:sp>
         <p:nvSpPr>
           <p:cNvPr id="2" name="标题 1"/>
@@ -3361,13 +3326,14 @@
         <p:spPr/>
         <p:txBody>
           <a:bodyPr/>
-          <a:lstStyle/>
-          <a:p>
-            <a:r>
-              <a:rPr lang="en-US" altLang="zh-CN" dirty="0" smtClean="0"/>
-              <a:t>prettier</a:t>
-            </a:r>
-            <a:endParaRPr lang="zh-CN" altLang="en-US" dirty="0"/>
+          <a:p>
+            <a:r>
+              <a:rPr lang="en-US" altLang="zh-CN" dirty="0" err="1" smtClean="0">
+                <a:sym typeface="+mn-ea"/>
+              </a:rPr>
+              <a:t>eslint</a:t>
+            </a:r>
+            <a:endParaRPr lang="zh-CN" altLang="en-US"/>
           </a:p>
         </p:txBody>
       </p:sp>
@@ -3383,65 +3349,122 @@
         </p:nvSpPr>
         <p:spPr/>
         <p:txBody>
-          <a:bodyPr/>
-          <a:lstStyle/>
-          <a:p>
-            <a:r>
-              <a:rPr lang="en-US" altLang="zh-CN" dirty="0" err="1"/>
-              <a:t>eslint</a:t>
-            </a:r>
-            <a:r>
-              <a:rPr lang="en-US" altLang="zh-CN" dirty="0"/>
-              <a:t>-plugin-prettier</a:t>
-            </a:r>
-            <a:r>
-              <a:rPr lang="zh-CN" altLang="en-US" dirty="0"/>
-              <a:t>插件会调用</a:t>
-            </a:r>
-            <a:r>
-              <a:rPr lang="en-US" altLang="zh-CN" dirty="0"/>
-              <a:t>prettier</a:t>
-            </a:r>
-            <a:r>
-              <a:rPr lang="zh-CN" altLang="en-US" dirty="0"/>
-              <a:t>对你的代码风格进行检查，其原理是先使用</a:t>
-            </a:r>
-            <a:r>
-              <a:rPr lang="en-US" altLang="zh-CN" dirty="0"/>
-              <a:t>prettier</a:t>
-            </a:r>
-            <a:r>
-              <a:rPr lang="zh-CN" altLang="en-US" dirty="0"/>
-              <a:t>对你的代码进行格式化，然后与格式化之前的代码进行对比，如果过出现了不一致，这个地方就会被</a:t>
-            </a:r>
-            <a:r>
-              <a:rPr lang="en-US" altLang="zh-CN" dirty="0"/>
-              <a:t>prettier</a:t>
-            </a:r>
-            <a:r>
-              <a:rPr lang="zh-CN" altLang="en-US" dirty="0"/>
-              <a:t>进行标记</a:t>
-            </a:r>
-            <a:r>
-              <a:rPr lang="zh-CN" altLang="en-US" dirty="0" smtClean="0"/>
-              <a:t>。</a:t>
-            </a:r>
-            <a:endParaRPr lang="en-US" altLang="zh-CN" dirty="0" smtClean="0"/>
-          </a:p>
-          <a:p>
-            <a:endParaRPr lang="en-US" altLang="zh-CN" dirty="0"/>
-          </a:p>
-          <a:p>
-            <a:endParaRPr lang="zh-CN" altLang="en-US" dirty="0"/>
+          <a:bodyPr>
+            <a:normAutofit fontScale="80000"/>
+          </a:bodyPr>
+          <a:p>
+            <a:pPr marL="0" indent="0">
+              <a:buNone/>
+            </a:pPr>
+            <a:r>
+              <a:rPr lang="zh-CN" altLang="en-US"/>
+              <a:t>禁用规则</a:t>
+            </a:r>
+            <a:endParaRPr lang="zh-CN" altLang="en-US"/>
+          </a:p>
+          <a:p>
+            <a:pPr marL="0" indent="0">
+              <a:buNone/>
+            </a:pPr>
+            <a:endParaRPr lang="en-US" altLang="zh-CN"/>
+          </a:p>
+          <a:p>
+            <a:pPr marL="0" indent="0">
+              <a:buNone/>
+            </a:pPr>
+            <a:r>
+              <a:rPr lang="en-US" altLang="zh-CN"/>
+              <a:t>要临时禁用文件中的规则警告，</a:t>
+            </a:r>
+            <a:r>
+              <a:rPr lang="zh-CN" altLang="en-US"/>
+              <a:t>用</a:t>
+            </a:r>
+            <a:r>
+              <a:rPr lang="en-US" altLang="zh-CN"/>
+              <a:t>以下格式使用块注释</a:t>
+            </a:r>
+            <a:endParaRPr lang="en-US" altLang="zh-CN"/>
+          </a:p>
+          <a:p>
+            <a:pPr marL="0" indent="0">
+              <a:buNone/>
+            </a:pPr>
+            <a:r>
+              <a:rPr lang="en-US" altLang="zh-CN"/>
+              <a:t>/* eslint-disable */</a:t>
+            </a:r>
+            <a:endParaRPr lang="en-US" altLang="zh-CN"/>
+          </a:p>
+          <a:p>
+            <a:pPr marL="0" indent="0">
+              <a:buNone/>
+            </a:pPr>
+            <a:r>
+              <a:rPr lang="en-US" altLang="zh-CN"/>
+              <a:t>...</a:t>
+            </a:r>
+            <a:endParaRPr lang="en-US" altLang="zh-CN"/>
+          </a:p>
+          <a:p>
+            <a:pPr marL="0" indent="0">
+              <a:buNone/>
+            </a:pPr>
+            <a:r>
+              <a:rPr lang="en-US" altLang="zh-CN"/>
+              <a:t>/* eslint-enable */</a:t>
+            </a:r>
+            <a:endParaRPr lang="en-US" altLang="zh-CN"/>
+          </a:p>
+          <a:p>
+            <a:pPr marL="0" indent="0">
+              <a:buNone/>
+            </a:pPr>
+            <a:r>
+              <a:rPr lang="en-US" altLang="zh-CN"/>
+              <a:t>禁用或启用特定规则的警告：</a:t>
+            </a:r>
+            <a:endParaRPr lang="en-US" altLang="zh-CN"/>
+          </a:p>
+          <a:p>
+            <a:pPr marL="0" indent="0">
+              <a:buNone/>
+            </a:pPr>
+            <a:r>
+              <a:rPr lang="en-US" altLang="zh-CN"/>
+              <a:t>/* eslint-disable no-alert, no-console */</a:t>
+            </a:r>
+            <a:endParaRPr lang="en-US" altLang="zh-CN"/>
+          </a:p>
+          <a:p>
+            <a:pPr marL="0" indent="0">
+              <a:buNone/>
+            </a:pPr>
+            <a:r>
+              <a:rPr lang="en-US" altLang="zh-CN"/>
+              <a:t>...</a:t>
+            </a:r>
+            <a:endParaRPr lang="en-US" altLang="zh-CN"/>
+          </a:p>
+          <a:p>
+            <a:pPr marL="0" indent="0">
+              <a:buNone/>
+            </a:pPr>
+            <a:r>
+              <a:rPr lang="en-US" altLang="zh-CN"/>
+              <a:t>/* eslint-enable no-alert, no-console */</a:t>
+            </a:r>
+            <a:endParaRPr lang="en-US" altLang="zh-CN"/>
+          </a:p>
+          <a:p>
+            <a:pPr marL="0" indent="0">
+              <a:buNone/>
+            </a:pPr>
+            <a:endParaRPr lang="en-US" altLang="zh-CN"/>
           </a:p>
         </p:txBody>
       </p:sp>
     </p:spTree>
-    <p:extLst>
-      <p:ext uri="{BB962C8B-B14F-4D97-AF65-F5344CB8AC3E}">
-        <p14:creationId xmlns:p14="http://schemas.microsoft.com/office/powerpoint/2010/main" val="4127821348"/>
-      </p:ext>
-    </p:extLst>
   </p:cSld>
   <p:clrMapOvr>
     <a:masterClrMapping/>
@@ -3458,14 +3481,7 @@
         <p:cNvGrpSpPr/>
         <p:nvPr/>
       </p:nvGrpSpPr>
-      <p:grpSpPr>
-        <a:xfrm>
-          <a:off x="0" y="0"/>
-          <a:ext cx="0" cy="0"/>
-          <a:chOff x="0" y="0"/>
-          <a:chExt cx="0" cy="0"/>
-        </a:xfrm>
-      </p:grpSpPr>
+      <p:grpSpPr/>
       <p:sp>
         <p:nvSpPr>
           <p:cNvPr id="2" name="标题 1"/>
@@ -3479,8 +3495,13 @@
         <p:spPr/>
         <p:txBody>
           <a:bodyPr/>
-          <a:lstStyle/>
-          <a:p>
+          <a:p>
+            <a:r>
+              <a:rPr lang="en-US" altLang="zh-CN" dirty="0" err="1" smtClean="0">
+                <a:sym typeface="+mn-ea"/>
+              </a:rPr>
+              <a:t>eslint</a:t>
+            </a:r>
             <a:endParaRPr lang="zh-CN" altLang="en-US"/>
           </a:p>
         </p:txBody>
@@ -3498,113 +3519,101 @@
         <p:spPr/>
         <p:txBody>
           <a:bodyPr>
-            <a:normAutofit/>
+            <a:normAutofit fontScale="90000" lnSpcReduction="20000"/>
           </a:bodyPr>
-          <a:lstStyle/>
-          <a:p>
-            <a:r>
-              <a:rPr lang="en-US" altLang="zh-CN" dirty="0" smtClean="0"/>
-              <a:t>Prettier</a:t>
-            </a:r>
-          </a:p>
-          <a:p>
-            <a:endParaRPr lang="en-US" altLang="zh-CN" dirty="0" smtClean="0"/>
-          </a:p>
-          <a:p>
-            <a:pPr marL="0" indent="0">
-              <a:buNone/>
-            </a:pPr>
-            <a:r>
-              <a:rPr lang="zh-CN" altLang="en-US" dirty="0" smtClean="0"/>
-              <a:t>利用</a:t>
-            </a:r>
-            <a:r>
-              <a:rPr lang="en-US" altLang="zh-CN" dirty="0" smtClean="0"/>
-              <a:t>pretty-quick &amp; </a:t>
-            </a:r>
-            <a:r>
-              <a:rPr lang="en-US" altLang="zh-CN" dirty="0" err="1" smtClean="0"/>
-              <a:t>eslint</a:t>
-            </a:r>
-            <a:endParaRPr lang="en-US" altLang="zh-CN" dirty="0" smtClean="0"/>
-          </a:p>
-          <a:p>
-            <a:pPr marL="0" indent="0">
-              <a:buNone/>
-            </a:pPr>
-            <a:r>
-              <a:rPr lang="en-US" altLang="zh-CN" dirty="0"/>
-              <a:t>pretty-quick </a:t>
-            </a:r>
-            <a:r>
-              <a:rPr lang="en-US" altLang="zh-CN" dirty="0" smtClean="0"/>
-              <a:t>:Runs</a:t>
-            </a:r>
-            <a:r>
-              <a:rPr lang="en-US" altLang="zh-CN" dirty="0"/>
-              <a:t> </a:t>
-            </a:r>
-            <a:r>
-              <a:rPr lang="en-US" altLang="zh-CN" dirty="0">
-                <a:hlinkClick r:id="rId2"/>
+          <a:p>
+            <a:pPr marL="0" indent="0">
+              <a:buNone/>
+            </a:pPr>
+            <a:r>
+              <a:rPr lang="zh-CN" altLang="en-US">
+                <a:sym typeface="+mn-ea"/>
               </a:rPr>
-              <a:t>Prettier</a:t>
-            </a:r>
-            <a:r>
-              <a:rPr lang="en-US" altLang="zh-CN" dirty="0"/>
-              <a:t> on your changed files.</a:t>
-            </a:r>
-            <a:endParaRPr lang="en-US" altLang="zh-CN" dirty="0" smtClean="0"/>
-          </a:p>
-          <a:p>
-            <a:pPr marL="0" indent="0">
-              <a:buNone/>
-            </a:pPr>
-            <a:endParaRPr lang="en-US" altLang="zh-CN" dirty="0"/>
-          </a:p>
-          <a:p>
-            <a:pPr marL="0" indent="0">
-              <a:buNone/>
-            </a:pPr>
-            <a:r>
-              <a:rPr lang="en-US" altLang="zh-CN" dirty="0"/>
-              <a:t>pretty-quick-staged </a:t>
-            </a:r>
-            <a:r>
-              <a:rPr lang="en-US" altLang="zh-CN" dirty="0" smtClean="0"/>
-              <a:t>&amp;&amp; </a:t>
-            </a:r>
-            <a:r>
-              <a:rPr lang="en-US" altLang="zh-CN" dirty="0"/>
-              <a:t>gulp </a:t>
-            </a:r>
-            <a:r>
-              <a:rPr lang="en-US" altLang="zh-CN" dirty="0" err="1"/>
-              <a:t>git:diff</a:t>
-            </a:r>
-            <a:r>
-              <a:rPr lang="en-US" altLang="zh-CN" dirty="0"/>
-              <a:t> &amp;&amp; node </a:t>
-            </a:r>
-            <a:r>
-              <a:rPr lang="en-US" altLang="zh-CN" dirty="0" smtClean="0"/>
-              <a:t>script/lintScript.js</a:t>
-            </a:r>
-          </a:p>
-          <a:p>
-            <a:pPr marL="0" indent="0">
-              <a:buNone/>
-            </a:pPr>
-            <a:endParaRPr lang="en-US" altLang="zh-CN" dirty="0"/>
+              <a:t>禁用规则</a:t>
+            </a:r>
+            <a:endParaRPr lang="zh-CN" altLang="en-US"/>
+          </a:p>
+          <a:p>
+            <a:pPr marL="0" indent="0">
+              <a:buNone/>
+            </a:pPr>
+            <a:endParaRPr lang="zh-CN" altLang="en-US"/>
+          </a:p>
+          <a:p>
+            <a:pPr marL="0" indent="0">
+              <a:buNone/>
+            </a:pPr>
+            <a:r>
+              <a:rPr lang="zh-CN" altLang="en-US"/>
+              <a:t>要在整个文件中禁用规则警告，请在文件/* eslint-disable */顶部放置块注释：</a:t>
+            </a:r>
+            <a:endParaRPr lang="zh-CN" altLang="en-US"/>
+          </a:p>
+          <a:p>
+            <a:pPr marL="0" indent="0">
+              <a:buNone/>
+            </a:pPr>
+            <a:r>
+              <a:rPr lang="zh-CN" altLang="en-US"/>
+              <a:t>/* eslint-disable */</a:t>
+            </a:r>
+            <a:endParaRPr lang="zh-CN" altLang="en-US"/>
+          </a:p>
+          <a:p>
+            <a:pPr marL="0" indent="0">
+              <a:buNone/>
+            </a:pPr>
+            <a:endParaRPr lang="zh-CN" altLang="en-US"/>
+          </a:p>
+          <a:p>
+            <a:pPr marL="0" indent="0">
+              <a:buNone/>
+            </a:pPr>
+            <a:r>
+              <a:rPr lang="en-US" altLang="zh-CN"/>
+              <a:t>etc:</a:t>
+            </a:r>
+            <a:endParaRPr lang="zh-CN" altLang="en-US"/>
+          </a:p>
+          <a:p>
+            <a:pPr marL="0" indent="0">
+              <a:buNone/>
+            </a:pPr>
+            <a:r>
+              <a:rPr lang="zh-CN" altLang="en-US"/>
+              <a:t>// eslint-disable-next-line</a:t>
+            </a:r>
+            <a:endParaRPr lang="zh-CN" altLang="en-US"/>
+          </a:p>
+          <a:p>
+            <a:pPr marL="0" indent="0">
+              <a:buNone/>
+            </a:pPr>
+            <a:r>
+              <a:rPr lang="zh-CN" altLang="en-US"/>
+              <a:t>alert('foo');</a:t>
+            </a:r>
+            <a:endParaRPr lang="zh-CN" altLang="en-US"/>
+          </a:p>
+          <a:p>
+            <a:pPr marL="0" indent="0">
+              <a:buNone/>
+            </a:pPr>
+            <a:endParaRPr lang="zh-CN" altLang="en-US"/>
+          </a:p>
+          <a:p>
+            <a:pPr marL="0" indent="0">
+              <a:buNone/>
+            </a:pPr>
+            <a:r>
+              <a:rPr lang="zh-CN" altLang="en-US"/>
+              <a:t>alert('foo'); /* eslint-disable-line */</a:t>
+            </a:r>
+            <a:endParaRPr lang="zh-CN" altLang="en-US"/>
           </a:p>
         </p:txBody>
       </p:sp>
     </p:spTree>
-    <p:extLst>
-      <p:ext uri="{BB962C8B-B14F-4D97-AF65-F5344CB8AC3E}">
-        <p14:creationId xmlns:p14="http://schemas.microsoft.com/office/powerpoint/2010/main" val="2011931717"/>
-      </p:ext>
-    </p:extLst>
   </p:cSld>
   <p:clrMapOvr>
     <a:masterClrMapping/>
@@ -3644,6 +3653,588 @@
           <a:bodyPr/>
           <a:lstStyle/>
           <a:p>
+            <a:r>
+              <a:rPr lang="en-US" altLang="zh-CN" dirty="0" smtClean="0"/>
+              <a:t>prettier</a:t>
+            </a:r>
+            <a:endParaRPr lang="zh-CN" altLang="en-US" dirty="0"/>
+          </a:p>
+        </p:txBody>
+      </p:sp>
+      <p:sp>
+        <p:nvSpPr>
+          <p:cNvPr id="3" name="内容占位符 2"/>
+          <p:cNvSpPr>
+            <a:spLocks noGrp="1"/>
+          </p:cNvSpPr>
+          <p:nvPr>
+            <p:ph idx="1"/>
+          </p:nvPr>
+        </p:nvSpPr>
+        <p:spPr/>
+        <p:txBody>
+          <a:bodyPr/>
+          <a:lstStyle/>
+          <a:p>
+            <a:pPr marL="0" indent="0">
+              <a:buNone/>
+            </a:pPr>
+            <a:r>
+              <a:rPr lang="en-US" altLang="zh-CN" dirty="0" smtClean="0"/>
+              <a:t>Prettier</a:t>
+            </a:r>
+            <a:r>
+              <a:rPr lang="zh-CN" altLang="en-US" dirty="0" smtClean="0"/>
+              <a:t>是什么</a:t>
+            </a:r>
+            <a:endParaRPr lang="en-US" altLang="zh-CN" dirty="0" smtClean="0"/>
+          </a:p>
+          <a:p>
+            <a:endParaRPr lang="en-US" altLang="zh-CN" dirty="0" smtClean="0"/>
+          </a:p>
+          <a:p>
+            <a:r>
+              <a:rPr lang="en-US" altLang="zh-CN" dirty="0" smtClean="0"/>
+              <a:t>prettier</a:t>
+            </a:r>
+            <a:r>
+              <a:rPr lang="zh-CN" altLang="en-US" dirty="0" smtClean="0"/>
+              <a:t>是</a:t>
+            </a:r>
+            <a:r>
+              <a:rPr lang="zh-CN" altLang="en-US" dirty="0"/>
+              <a:t>一个流行的代码格式化工具的名称，它能够解析代码，使用你自己设定</a:t>
+            </a:r>
+            <a:r>
+              <a:rPr lang="zh-CN" altLang="en-US" dirty="0" smtClean="0"/>
+              <a:t>的规则来重新打印出格式规范的代码。</a:t>
+            </a:r>
+            <a:endParaRPr lang="en-US" altLang="zh-CN" dirty="0"/>
+          </a:p>
+          <a:p>
+            <a:r>
+              <a:rPr lang="zh-CN" altLang="en-US" dirty="0"/>
+              <a:t>可配置化</a:t>
+            </a:r>
+            <a:endParaRPr lang="zh-CN" altLang="en-US" dirty="0"/>
+          </a:p>
+          <a:p>
+            <a:r>
+              <a:rPr lang="zh-CN" altLang="en-US" dirty="0"/>
+              <a:t>支持多种语言</a:t>
+            </a:r>
+            <a:endParaRPr lang="zh-CN" altLang="en-US" dirty="0"/>
+          </a:p>
+          <a:p>
+            <a:r>
+              <a:rPr lang="zh-CN" altLang="en-US" dirty="0"/>
+              <a:t>集成多数的编辑器</a:t>
+            </a:r>
+            <a:endParaRPr lang="zh-CN" altLang="en-US" dirty="0"/>
+          </a:p>
+          <a:p>
+            <a:r>
+              <a:rPr lang="zh-CN" altLang="en-US" dirty="0"/>
+              <a:t>简洁的配置项</a:t>
+            </a:r>
+            <a:endParaRPr lang="zh-CN" altLang="en-US" dirty="0"/>
+          </a:p>
+          <a:p>
+            <a:endParaRPr lang="zh-CN" altLang="en-US" dirty="0"/>
+          </a:p>
+        </p:txBody>
+      </p:sp>
+      <p:pic>
+        <p:nvPicPr>
+          <p:cNvPr id="4" name="内容占位符 3"/>
+          <p:cNvPicPr>
+            <a:picLocks noChangeAspect="1"/>
+          </p:cNvPicPr>
+          <p:nvPr/>
+        </p:nvPicPr>
+        <p:blipFill>
+          <a:blip r:embed="rId1" cstate="print">
+            <a:extLst>
+              <a:ext uri="{28A0092B-C50C-407E-A947-70E740481C1C}">
+                <a14:useLocalDpi xmlns:a14="http://schemas.microsoft.com/office/drawing/2010/main" val="0"/>
+              </a:ext>
+            </a:extLst>
+          </a:blip>
+          <a:stretch>
+            <a:fillRect/>
+          </a:stretch>
+        </p:blipFill>
+        <p:spPr>
+          <a:xfrm>
+            <a:off x="8554915" y="365125"/>
+            <a:ext cx="2648390" cy="1103496"/>
+          </a:xfrm>
+          <a:prstGeom prst="rect">
+            <a:avLst/>
+          </a:prstGeom>
+        </p:spPr>
+      </p:pic>
+    </p:spTree>
+  </p:cSld>
+  <p:clrMapOvr>
+    <a:masterClrMapping/>
+  </p:clrMapOvr>
+</p:sld>
+</file>
+
+<file path=ppt/slides/slide15.xml><?xml version="1.0" encoding="utf-8"?>
+<p:sld xmlns:a="http://schemas.openxmlformats.org/drawingml/2006/main" xmlns:r="http://schemas.openxmlformats.org/officeDocument/2006/relationships" xmlns:p="http://schemas.openxmlformats.org/presentationml/2006/main">
+  <p:cSld>
+    <p:spTree>
+      <p:nvGrpSpPr>
+        <p:cNvPr id="1" name=""/>
+        <p:cNvGrpSpPr/>
+        <p:nvPr/>
+      </p:nvGrpSpPr>
+      <p:grpSpPr>
+        <a:xfrm>
+          <a:off x="0" y="0"/>
+          <a:ext cx="0" cy="0"/>
+          <a:chOff x="0" y="0"/>
+          <a:chExt cx="0" cy="0"/>
+        </a:xfrm>
+      </p:grpSpPr>
+      <p:sp>
+        <p:nvSpPr>
+          <p:cNvPr id="2" name="标题 1"/>
+          <p:cNvSpPr>
+            <a:spLocks noGrp="1"/>
+          </p:cNvSpPr>
+          <p:nvPr>
+            <p:ph type="title"/>
+          </p:nvPr>
+        </p:nvSpPr>
+        <p:spPr/>
+        <p:txBody>
+          <a:bodyPr/>
+          <a:lstStyle/>
+          <a:p>
+            <a:r>
+              <a:rPr lang="en-US" altLang="zh-CN" dirty="0" smtClean="0">
+                <a:sym typeface="+mn-ea"/>
+              </a:rPr>
+              <a:t>prettier &amp; </a:t>
+            </a:r>
+            <a:r>
+              <a:rPr lang="en-US" altLang="zh-CN" dirty="0" err="1" smtClean="0">
+                <a:sym typeface="+mn-ea"/>
+              </a:rPr>
+              <a:t>eslint</a:t>
+            </a:r>
+            <a:endParaRPr lang="zh-CN" altLang="en-US" dirty="0"/>
+          </a:p>
+        </p:txBody>
+      </p:sp>
+      <p:sp>
+        <p:nvSpPr>
+          <p:cNvPr id="3" name="内容占位符 2"/>
+          <p:cNvSpPr>
+            <a:spLocks noGrp="1"/>
+          </p:cNvSpPr>
+          <p:nvPr>
+            <p:ph idx="1"/>
+          </p:nvPr>
+        </p:nvSpPr>
+        <p:spPr/>
+        <p:txBody>
+          <a:bodyPr>
+            <a:normAutofit fontScale="60000"/>
+          </a:bodyPr>
+          <a:lstStyle/>
+          <a:p>
+            <a:pPr marL="0" indent="0">
+              <a:buNone/>
+            </a:pPr>
+            <a:r>
+              <a:rPr lang="zh-CN" altLang="en-US" dirty="0" err="1"/>
+              <a:t>集成</a:t>
+            </a:r>
+            <a:r>
+              <a:rPr lang="en-US" altLang="zh-CN" dirty="0" smtClean="0">
+                <a:sym typeface="+mn-ea"/>
+              </a:rPr>
+              <a:t>prettier &amp; </a:t>
+            </a:r>
+            <a:r>
+              <a:rPr lang="en-US" altLang="zh-CN" dirty="0" err="1" smtClean="0">
+                <a:sym typeface="+mn-ea"/>
+              </a:rPr>
+              <a:t>eslint</a:t>
+            </a:r>
+            <a:r>
+              <a:rPr lang="zh-CN" altLang="en-US" dirty="0" err="1" smtClean="0">
+                <a:sym typeface="+mn-ea"/>
+              </a:rPr>
+              <a:t>，</a:t>
+            </a:r>
+            <a:r>
+              <a:rPr lang="zh-CN" altLang="en-US"/>
+              <a:t>使用ESLint运行Prettier</a:t>
+            </a:r>
+            <a:endParaRPr lang="zh-CN" altLang="en-US"/>
+          </a:p>
+          <a:p>
+            <a:pPr marL="0" indent="0">
+              <a:buNone/>
+            </a:pPr>
+            <a:endParaRPr lang="en-US" altLang="zh-CN" dirty="0" err="1"/>
+          </a:p>
+          <a:p>
+            <a:r>
+              <a:rPr lang="en-US" altLang="zh-CN" dirty="0" err="1"/>
+              <a:t>eslint</a:t>
+            </a:r>
+            <a:r>
+              <a:rPr lang="en-US" altLang="zh-CN" dirty="0"/>
+              <a:t>-plugin-prettier</a:t>
+            </a:r>
+            <a:r>
+              <a:rPr lang="zh-CN" altLang="en-US" dirty="0"/>
+              <a:t>插件会调用</a:t>
+            </a:r>
+            <a:r>
+              <a:rPr lang="en-US" altLang="zh-CN" dirty="0"/>
+              <a:t>prettier</a:t>
+            </a:r>
+            <a:r>
+              <a:rPr lang="zh-CN" altLang="en-US" dirty="0"/>
+              <a:t>对你的代码风格进行检查，其原理是先使用</a:t>
+            </a:r>
+            <a:r>
+              <a:rPr lang="en-US" altLang="zh-CN" dirty="0"/>
+              <a:t>prettier</a:t>
+            </a:r>
+            <a:r>
+              <a:rPr lang="zh-CN" altLang="en-US" dirty="0"/>
+              <a:t>对你的代码进行格式化，然后与格式化之前的代码进行对比，如果过出现了不一致，这个地方就会被</a:t>
+            </a:r>
+            <a:r>
+              <a:rPr lang="en-US" altLang="zh-CN" dirty="0"/>
+              <a:t>prettier</a:t>
+            </a:r>
+            <a:r>
+              <a:rPr lang="zh-CN" altLang="en-US" dirty="0"/>
+              <a:t>进行标记</a:t>
+            </a:r>
+            <a:r>
+              <a:rPr lang="zh-CN" altLang="en-US" dirty="0" smtClean="0"/>
+              <a:t>。</a:t>
+            </a:r>
+            <a:endParaRPr lang="zh-CN" altLang="en-US" dirty="0" smtClean="0"/>
+          </a:p>
+          <a:p>
+            <a:pPr marL="0" indent="0">
+              <a:buNone/>
+            </a:pPr>
+            <a:endParaRPr lang="zh-CN" altLang="en-US" dirty="0" smtClean="0"/>
+          </a:p>
+          <a:p>
+            <a:pPr marL="0" indent="0">
+              <a:buNone/>
+            </a:pPr>
+            <a:r>
+              <a:rPr lang="zh-CN" altLang="en-US" dirty="0" smtClean="0"/>
+              <a:t>.eslintrc</a:t>
+            </a:r>
+            <a:endParaRPr lang="zh-CN" altLang="en-US" dirty="0" smtClean="0"/>
+          </a:p>
+          <a:p>
+            <a:pPr marL="0" indent="0">
+              <a:buNone/>
+            </a:pPr>
+            <a:r>
+              <a:rPr lang="en-US" altLang="zh-CN" dirty="0" smtClean="0"/>
+              <a:t>{</a:t>
+            </a:r>
+            <a:endParaRPr lang="en-US" altLang="zh-CN" dirty="0" smtClean="0"/>
+          </a:p>
+          <a:p>
+            <a:pPr marL="0" indent="0">
+              <a:buNone/>
+            </a:pPr>
+            <a:r>
+              <a:rPr lang="en-US" altLang="zh-CN" dirty="0" smtClean="0"/>
+              <a:t>  "plugins": ["prettier"],</a:t>
+            </a:r>
+            <a:endParaRPr lang="en-US" altLang="zh-CN" dirty="0" smtClean="0"/>
+          </a:p>
+          <a:p>
+            <a:pPr marL="0" indent="0">
+              <a:buNone/>
+            </a:pPr>
+            <a:r>
+              <a:rPr lang="en-US" altLang="zh-CN" dirty="0" smtClean="0"/>
+              <a:t>  "rules": {</a:t>
+            </a:r>
+            <a:endParaRPr lang="en-US" altLang="zh-CN" dirty="0" smtClean="0"/>
+          </a:p>
+          <a:p>
+            <a:pPr marL="0" indent="0">
+              <a:buNone/>
+            </a:pPr>
+            <a:r>
+              <a:rPr lang="en-US" altLang="zh-CN" dirty="0" smtClean="0"/>
+              <a:t>    "prettier/prettier": "error"</a:t>
+            </a:r>
+            <a:endParaRPr lang="en-US" altLang="zh-CN" dirty="0" smtClean="0"/>
+          </a:p>
+          <a:p>
+            <a:pPr marL="0" indent="0">
+              <a:buNone/>
+            </a:pPr>
+            <a:r>
+              <a:rPr lang="en-US" altLang="zh-CN" dirty="0" smtClean="0"/>
+              <a:t>  }</a:t>
+            </a:r>
+            <a:endParaRPr lang="en-US" altLang="zh-CN" dirty="0" smtClean="0"/>
+          </a:p>
+          <a:p>
+            <a:pPr marL="0" indent="0">
+              <a:buNone/>
+            </a:pPr>
+            <a:r>
+              <a:rPr lang="en-US" altLang="zh-CN" dirty="0" smtClean="0"/>
+              <a:t>}</a:t>
+            </a:r>
+            <a:endParaRPr lang="en-US" altLang="zh-CN" dirty="0" smtClean="0"/>
+          </a:p>
+          <a:p>
+            <a:endParaRPr lang="en-US" altLang="zh-CN" dirty="0"/>
+          </a:p>
+          <a:p>
+            <a:endParaRPr lang="zh-CN" altLang="en-US" dirty="0"/>
+          </a:p>
+        </p:txBody>
+      </p:sp>
+    </p:spTree>
+  </p:cSld>
+  <p:clrMapOvr>
+    <a:masterClrMapping/>
+  </p:clrMapOvr>
+</p:sld>
+</file>
+
+<file path=ppt/slides/slide16.xml><?xml version="1.0" encoding="utf-8"?>
+<p:sld xmlns:a="http://schemas.openxmlformats.org/drawingml/2006/main" xmlns:r="http://schemas.openxmlformats.org/officeDocument/2006/relationships" xmlns:p="http://schemas.openxmlformats.org/presentationml/2006/main">
+  <p:cSld>
+    <p:spTree>
+      <p:nvGrpSpPr>
+        <p:cNvPr id="1" name=""/>
+        <p:cNvGrpSpPr/>
+        <p:nvPr/>
+      </p:nvGrpSpPr>
+      <p:grpSpPr>
+        <a:xfrm>
+          <a:off x="0" y="0"/>
+          <a:ext cx="0" cy="0"/>
+          <a:chOff x="0" y="0"/>
+          <a:chExt cx="0" cy="0"/>
+        </a:xfrm>
+      </p:grpSpPr>
+      <p:sp>
+        <p:nvSpPr>
+          <p:cNvPr id="2" name="标题 1"/>
+          <p:cNvSpPr>
+            <a:spLocks noGrp="1"/>
+          </p:cNvSpPr>
+          <p:nvPr>
+            <p:ph type="title"/>
+          </p:nvPr>
+        </p:nvSpPr>
+        <p:spPr/>
+        <p:txBody>
+          <a:bodyPr/>
+          <a:lstStyle/>
+          <a:p>
+            <a:r>
+              <a:rPr lang="en-US" altLang="zh-CN" dirty="0" smtClean="0">
+                <a:sym typeface="+mn-ea"/>
+              </a:rPr>
+              <a:t>prettier &amp; </a:t>
+            </a:r>
+            <a:r>
+              <a:rPr lang="en-US" altLang="zh-CN" dirty="0" err="1" smtClean="0">
+                <a:sym typeface="+mn-ea"/>
+              </a:rPr>
+              <a:t>eslint</a:t>
+            </a:r>
+            <a:endParaRPr lang="zh-CN" altLang="en-US"/>
+          </a:p>
+        </p:txBody>
+      </p:sp>
+      <p:sp>
+        <p:nvSpPr>
+          <p:cNvPr id="3" name="内容占位符 2"/>
+          <p:cNvSpPr>
+            <a:spLocks noGrp="1"/>
+          </p:cNvSpPr>
+          <p:nvPr>
+            <p:ph idx="1"/>
+          </p:nvPr>
+        </p:nvSpPr>
+        <p:spPr/>
+        <p:txBody>
+          <a:bodyPr>
+            <a:normAutofit/>
+          </a:bodyPr>
+          <a:lstStyle/>
+          <a:p>
+            <a:r>
+              <a:rPr lang="en-US" altLang="zh-CN" dirty="0" smtClean="0"/>
+              <a:t>Prettier</a:t>
+            </a:r>
+            <a:endParaRPr lang="en-US" altLang="zh-CN" dirty="0" smtClean="0"/>
+          </a:p>
+          <a:p>
+            <a:endParaRPr lang="en-US" altLang="zh-CN" dirty="0" smtClean="0"/>
+          </a:p>
+          <a:p>
+            <a:pPr marL="0" indent="0">
+              <a:buNone/>
+            </a:pPr>
+            <a:r>
+              <a:rPr lang="zh-CN" altLang="en-US" dirty="0" smtClean="0"/>
+              <a:t>利用</a:t>
+            </a:r>
+            <a:r>
+              <a:rPr lang="en-US" altLang="zh-CN" dirty="0" smtClean="0"/>
+              <a:t>pretty-quick &amp; </a:t>
+            </a:r>
+            <a:r>
+              <a:rPr lang="en-US" altLang="zh-CN" dirty="0" err="1" smtClean="0"/>
+              <a:t>eslint</a:t>
+            </a:r>
+            <a:endParaRPr lang="en-US" altLang="zh-CN" dirty="0" smtClean="0"/>
+          </a:p>
+          <a:p>
+            <a:pPr marL="0" indent="0">
+              <a:buNone/>
+            </a:pPr>
+            <a:r>
+              <a:rPr lang="en-US" altLang="zh-CN" dirty="0"/>
+              <a:t>pretty-quick </a:t>
+            </a:r>
+            <a:r>
+              <a:rPr lang="en-US" altLang="zh-CN" dirty="0" smtClean="0"/>
+              <a:t>:Runs</a:t>
+            </a:r>
+            <a:r>
+              <a:rPr lang="en-US" altLang="zh-CN" dirty="0"/>
+              <a:t> </a:t>
+            </a:r>
+            <a:r>
+              <a:rPr lang="en-US" altLang="zh-CN" dirty="0">
+                <a:hlinkClick r:id="rId1"/>
+              </a:rPr>
+              <a:t>Prettier</a:t>
+            </a:r>
+            <a:r>
+              <a:rPr lang="en-US" altLang="zh-CN" dirty="0"/>
+              <a:t> on your changed files.</a:t>
+            </a:r>
+            <a:endParaRPr lang="en-US" altLang="zh-CN" dirty="0" smtClean="0"/>
+          </a:p>
+          <a:p>
+            <a:pPr marL="0" indent="0">
+              <a:buNone/>
+            </a:pPr>
+            <a:endParaRPr lang="en-US" altLang="zh-CN" dirty="0"/>
+          </a:p>
+          <a:p>
+            <a:pPr marL="0" indent="0">
+              <a:buNone/>
+            </a:pPr>
+            <a:r>
+              <a:rPr lang="en-US" altLang="zh-CN" dirty="0"/>
+              <a:t>pretty-quick-staged </a:t>
+            </a:r>
+            <a:r>
+              <a:rPr lang="en-US" altLang="zh-CN" dirty="0" smtClean="0"/>
+              <a:t>&amp;&amp; </a:t>
+            </a:r>
+            <a:r>
+              <a:rPr lang="en-US" altLang="zh-CN" dirty="0"/>
+              <a:t>gulp </a:t>
+            </a:r>
+            <a:r>
+              <a:rPr lang="en-US" altLang="zh-CN" dirty="0" err="1"/>
+              <a:t>git:diff</a:t>
+            </a:r>
+            <a:r>
+              <a:rPr lang="en-US" altLang="zh-CN" dirty="0"/>
+              <a:t> &amp;&amp; node </a:t>
+            </a:r>
+            <a:r>
+              <a:rPr lang="en-US" altLang="zh-CN" dirty="0" smtClean="0"/>
+              <a:t>script/lintScript.js</a:t>
+            </a:r>
+            <a:endParaRPr lang="en-US" altLang="zh-CN" dirty="0" smtClean="0"/>
+          </a:p>
+          <a:p>
+            <a:pPr marL="0" indent="0">
+              <a:buNone/>
+            </a:pPr>
+            <a:endParaRPr lang="en-US" altLang="zh-CN" dirty="0"/>
+          </a:p>
+        </p:txBody>
+      </p:sp>
+    </p:spTree>
+  </p:cSld>
+  <p:clrMapOvr>
+    <a:masterClrMapping/>
+  </p:clrMapOvr>
+</p:sld>
+</file>
+
+<file path=ppt/slides/slide17.xml><?xml version="1.0" encoding="utf-8"?>
+<p:sld xmlns:a="http://schemas.openxmlformats.org/drawingml/2006/main" xmlns:r="http://schemas.openxmlformats.org/officeDocument/2006/relationships" xmlns:p="http://schemas.openxmlformats.org/presentationml/2006/main">
+  <p:cSld>
+    <p:spTree>
+      <p:nvGrpSpPr>
+        <p:cNvPr id="1" name=""/>
+        <p:cNvGrpSpPr/>
+        <p:nvPr/>
+      </p:nvGrpSpPr>
+      <p:grpSpPr>
+        <a:xfrm>
+          <a:off x="0" y="0"/>
+          <a:ext cx="0" cy="0"/>
+          <a:chOff x="0" y="0"/>
+          <a:chExt cx="0" cy="0"/>
+        </a:xfrm>
+      </p:grpSpPr>
+      <p:sp>
+        <p:nvSpPr>
+          <p:cNvPr id="2" name="标题 1"/>
+          <p:cNvSpPr>
+            <a:spLocks noGrp="1"/>
+          </p:cNvSpPr>
+          <p:nvPr>
+            <p:ph type="title"/>
+          </p:nvPr>
+        </p:nvSpPr>
+        <p:spPr/>
+        <p:txBody>
+          <a:bodyPr/>
+          <a:lstStyle/>
+          <a:p>
+            <a:r>
+              <a:rPr lang="en-US" altLang="zh-CN" dirty="0" smtClean="0">
+                <a:sym typeface="+mn-ea"/>
+              </a:rPr>
+              <a:t>prettier &amp; </a:t>
+            </a:r>
+            <a:r>
+              <a:rPr lang="en-US" altLang="zh-CN" dirty="0" err="1" smtClean="0">
+                <a:sym typeface="+mn-ea"/>
+              </a:rPr>
+              <a:t>eslint</a:t>
+            </a:r>
             <a:endParaRPr lang="zh-CN" altLang="en-US"/>
           </a:p>
         </p:txBody>
@@ -3764,6 +4355,7 @@
               <a:rPr lang="en-US" altLang="zh-CN" dirty="0" smtClean="0"/>
               <a:t>}</a:t>
             </a:r>
+            <a:endParaRPr lang="en-US" altLang="zh-CN" dirty="0" smtClean="0"/>
           </a:p>
           <a:p>
             <a:pPr marL="0" indent="0">
@@ -3787,6 +4379,7 @@
               <a:rPr lang="en-US" altLang="zh-CN" dirty="0"/>
               <a:t> &amp;&amp; node script/lintScript.js</a:t>
             </a:r>
+            <a:endParaRPr lang="en-US" altLang="zh-CN" dirty="0"/>
           </a:p>
           <a:p>
             <a:pPr marL="0" indent="0">
@@ -3800,11 +4393,80 @@
         </p:txBody>
       </p:sp>
     </p:spTree>
-    <p:extLst>
-      <p:ext uri="{BB962C8B-B14F-4D97-AF65-F5344CB8AC3E}">
-        <p14:creationId xmlns:p14="http://schemas.microsoft.com/office/powerpoint/2010/main" val="1522155234"/>
-      </p:ext>
-    </p:extLst>
+  </p:cSld>
+  <p:clrMapOvr>
+    <a:masterClrMapping/>
+  </p:clrMapOvr>
+</p:sld>
+</file>
+
+<file path=ppt/slides/slide18.xml><?xml version="1.0" encoding="utf-8"?>
+<p:sld xmlns:a="http://schemas.openxmlformats.org/drawingml/2006/main" xmlns:r="http://schemas.openxmlformats.org/officeDocument/2006/relationships" xmlns:p="http://schemas.openxmlformats.org/presentationml/2006/main">
+  <p:cSld>
+    <p:spTree>
+      <p:nvGrpSpPr>
+        <p:cNvPr id="1" name=""/>
+        <p:cNvGrpSpPr/>
+        <p:nvPr/>
+      </p:nvGrpSpPr>
+      <p:grpSpPr/>
+      <p:sp>
+        <p:nvSpPr>
+          <p:cNvPr id="2" name="标题 1"/>
+          <p:cNvSpPr>
+            <a:spLocks noGrp="1"/>
+          </p:cNvSpPr>
+          <p:nvPr>
+            <p:ph type="title"/>
+          </p:nvPr>
+        </p:nvSpPr>
+        <p:spPr/>
+        <p:txBody>
+          <a:bodyPr/>
+          <a:p>
+            <a:endParaRPr lang="zh-CN" altLang="en-US"/>
+          </a:p>
+        </p:txBody>
+      </p:sp>
+      <p:sp>
+        <p:nvSpPr>
+          <p:cNvPr id="3" name="内容占位符 2"/>
+          <p:cNvSpPr>
+            <a:spLocks noGrp="1"/>
+          </p:cNvSpPr>
+          <p:nvPr>
+            <p:ph idx="1"/>
+          </p:nvPr>
+        </p:nvSpPr>
+        <p:spPr/>
+        <p:txBody>
+          <a:bodyPr/>
+          <a:p>
+            <a:r>
+              <a:rPr lang="en-US" altLang="zh-CN" dirty="0">
+                <a:sym typeface="+mn-ea"/>
+              </a:rPr>
+              <a:t>https://www.jianshu.com/p/d38e7e3b80cb</a:t>
+            </a:r>
+            <a:endParaRPr lang="zh-CN" altLang="en-US" dirty="0"/>
+          </a:p>
+          <a:p>
+            <a:r>
+              <a:rPr lang="zh-CN" altLang="en-US"/>
+              <a:t>https://www.jianshu.com/p/d6a69eb08f07</a:t>
+            </a:r>
+            <a:endParaRPr lang="zh-CN" altLang="en-US"/>
+          </a:p>
+          <a:p>
+            <a:r>
+              <a:rPr lang="zh-CN" altLang="en-US"/>
+              <a:t>https://cn.eslint.org/docs/rules/</a:t>
+            </a:r>
+            <a:endParaRPr lang="zh-CN" altLang="en-US"/>
+          </a:p>
+        </p:txBody>
+      </p:sp>
+    </p:spTree>
   </p:cSld>
   <p:clrMapOvr>
     <a:masterClrMapping/>
@@ -3846,7 +4508,7 @@
           <a:p>
             <a:r>
               <a:rPr lang="zh-CN" altLang="en-US" dirty="0" smtClean="0"/>
-              <a:t>前段工程化</a:t>
+              <a:t>前端工程化</a:t>
             </a:r>
             <a:endParaRPr lang="zh-CN" altLang="en-US" dirty="0"/>
           </a:p>
@@ -3909,7 +4571,7 @@
           <p:nvPr/>
         </p:nvPicPr>
         <p:blipFill>
-          <a:blip r:embed="rId2">
+          <a:blip r:embed="rId1">
             <a:extLst>
               <a:ext uri="{28A0092B-C50C-407E-A947-70E740481C1C}">
                 <a14:useLocalDpi xmlns:a14="http://schemas.microsoft.com/office/drawing/2010/main" val="0"/>
@@ -3931,11 +4593,6 @@
         </p:spPr>
       </p:pic>
     </p:spTree>
-    <p:extLst>
-      <p:ext uri="{BB962C8B-B14F-4D97-AF65-F5344CB8AC3E}">
-        <p14:creationId xmlns:p14="http://schemas.microsoft.com/office/powerpoint/2010/main" val="1088813638"/>
-      </p:ext>
-    </p:extLst>
   </p:cSld>
   <p:clrMapOvr>
     <a:masterClrMapping/>
@@ -3977,7 +4634,7 @@
           <a:p>
             <a:r>
               <a:rPr lang="zh-CN" altLang="en-US" dirty="0" smtClean="0"/>
-              <a:t>前端工具</a:t>
+              <a:t>几个前端工具</a:t>
             </a:r>
             <a:endParaRPr lang="zh-CN" altLang="en-US" dirty="0"/>
           </a:p>
@@ -4002,6 +4659,7 @@
               <a:rPr lang="en-US" altLang="zh-CN" dirty="0" smtClean="0"/>
               <a:t>Puppeteer</a:t>
             </a:r>
+            <a:endParaRPr lang="en-US" altLang="zh-CN" dirty="0" smtClean="0"/>
           </a:p>
           <a:p>
             <a:pPr marL="0" indent="0">
@@ -4014,6 +4672,7 @@
               <a:rPr lang="en-US" altLang="zh-CN" dirty="0" smtClean="0"/>
               <a:t>Husky</a:t>
             </a:r>
+            <a:endParaRPr lang="en-US" altLang="zh-CN" dirty="0" smtClean="0"/>
           </a:p>
           <a:p>
             <a:pPr marL="0" indent="0">
@@ -4039,25 +4698,17 @@
               <a:rPr lang="en-US" altLang="zh-CN" dirty="0" smtClean="0"/>
               <a:t>Prettier</a:t>
             </a:r>
-          </a:p>
-          <a:p>
-            <a:pPr marL="0" indent="0">
-              <a:buNone/>
-            </a:pPr>
-            <a:r>
-              <a:rPr lang="en-US" altLang="zh-CN" dirty="0"/>
-              <a:t>https://www.jianshu.com/p/d38e7e3b80cb</a:t>
-            </a:r>
+            <a:endParaRPr lang="en-US" altLang="zh-CN" dirty="0" smtClean="0"/>
+          </a:p>
+          <a:p>
+            <a:pPr marL="0" indent="0">
+              <a:buNone/>
+            </a:pPr>
             <a:endParaRPr lang="zh-CN" altLang="en-US" dirty="0"/>
           </a:p>
         </p:txBody>
       </p:sp>
     </p:spTree>
-    <p:extLst>
-      <p:ext uri="{BB962C8B-B14F-4D97-AF65-F5344CB8AC3E}">
-        <p14:creationId xmlns:p14="http://schemas.microsoft.com/office/powerpoint/2010/main" val="1816079884"/>
-      </p:ext>
-    </p:extLst>
   </p:cSld>
   <p:clrMapOvr>
     <a:masterClrMapping/>
@@ -4211,6 +4862,7 @@
               <a:rPr lang="en-US" altLang="zh-CN" dirty="0" smtClean="0"/>
               <a:t>Web</a:t>
             </a:r>
+            <a:endParaRPr lang="en-US" altLang="zh-CN" dirty="0" smtClean="0"/>
           </a:p>
           <a:p>
             <a:pPr marL="0" indent="0">
@@ -4311,6 +4963,7 @@
               <a:rPr lang="zh-CN" altLang="zh-CN" dirty="0"/>
               <a:t>拥有更好的兼容性和前景。</a:t>
             </a:r>
+            <a:endParaRPr lang="zh-CN" altLang="zh-CN" dirty="0"/>
           </a:p>
           <a:p>
             <a:pPr marL="0" indent="0">
@@ -4341,7 +4994,7 @@
           <p:nvPr/>
         </p:nvPicPr>
         <p:blipFill>
-          <a:blip r:embed="rId2">
+          <a:blip r:embed="rId1">
             <a:extLst>
               <a:ext uri="{28A0092B-C50C-407E-A947-70E740481C1C}">
                 <a14:useLocalDpi xmlns:a14="http://schemas.microsoft.com/office/drawing/2010/main" val="0"/>
@@ -4363,11 +5016,6 @@
         </p:spPr>
       </p:pic>
     </p:spTree>
-    <p:extLst>
-      <p:ext uri="{BB962C8B-B14F-4D97-AF65-F5344CB8AC3E}">
-        <p14:creationId xmlns:p14="http://schemas.microsoft.com/office/powerpoint/2010/main" val="159302049"/>
-      </p:ext>
-    </p:extLst>
   </p:cSld>
   <p:clrMapOvr>
     <a:masterClrMapping/>
@@ -4449,15 +5097,12 @@
               <a:rPr lang="en-US" altLang="zh-CN" dirty="0" smtClean="0"/>
               <a:t>)</a:t>
             </a:r>
-          </a:p>
-          <a:p>
-            <a:pPr marL="0" indent="0">
-              <a:buNone/>
-            </a:pPr>
-            <a:r>
-              <a:rPr lang="en-US" altLang="zh-CN" dirty="0"/>
-              <a:t>https://juejin.im/post/59e5a86c51882578bf185dba</a:t>
-            </a:r>
+            <a:endParaRPr lang="en-US" altLang="zh-CN" dirty="0" smtClean="0"/>
+          </a:p>
+          <a:p>
+            <a:pPr marL="0" indent="0">
+              <a:buNone/>
+            </a:pPr>
             <a:endParaRPr lang="en-US" altLang="zh-CN" dirty="0" smtClean="0"/>
           </a:p>
           <a:p>
@@ -4527,15 +5172,11 @@
               <a:rPr lang="zh-CN" altLang="en-US" dirty="0"/>
               <a:t>封装的接口方便我们控制浏览器。</a:t>
             </a:r>
+            <a:endParaRPr lang="zh-CN" altLang="en-US" dirty="0"/>
           </a:p>
         </p:txBody>
       </p:sp>
     </p:spTree>
-    <p:extLst>
-      <p:ext uri="{BB962C8B-B14F-4D97-AF65-F5344CB8AC3E}">
-        <p14:creationId xmlns:p14="http://schemas.microsoft.com/office/powerpoint/2010/main" val="1343161317"/>
-      </p:ext>
-    </p:extLst>
   </p:cSld>
   <p:clrMapOvr>
     <a:masterClrMapping/>
@@ -4690,6 +5331,7 @@
               <a:rPr lang="zh-CN" altLang="zh-CN" dirty="0"/>
               <a:t>的自动化测试、模拟键盘输入等 </a:t>
             </a:r>
+            <a:endParaRPr lang="zh-CN" altLang="zh-CN" dirty="0"/>
           </a:p>
           <a:p>
             <a:r>
@@ -4700,6 +5342,7 @@
               <a:rPr lang="zh-CN" altLang="zh-CN" dirty="0"/>
               <a:t>浏览器自带的一些调试工具和性能分析工具帮助我们分析问题 </a:t>
             </a:r>
+            <a:endParaRPr lang="zh-CN" altLang="zh-CN" dirty="0"/>
           </a:p>
           <a:p>
             <a:r>
@@ -4710,6 +5353,7 @@
               <a:rPr lang="zh-CN" altLang="zh-CN" dirty="0"/>
               <a:t>最新的无头浏览器环境里做测试、使用最新浏览器特性 </a:t>
             </a:r>
+            <a:endParaRPr lang="zh-CN" altLang="zh-CN" dirty="0"/>
           </a:p>
           <a:p>
             <a:r>
@@ -4732,11 +5376,6 @@
         </p:txBody>
       </p:sp>
     </p:spTree>
-    <p:extLst>
-      <p:ext uri="{BB962C8B-B14F-4D97-AF65-F5344CB8AC3E}">
-        <p14:creationId xmlns:p14="http://schemas.microsoft.com/office/powerpoint/2010/main" val="1615475490"/>
-      </p:ext>
-    </p:extLst>
   </p:cSld>
   <p:clrMapOvr>
     <a:masterClrMapping/>
@@ -4897,26 +5536,10 @@
               <a:buNone/>
             </a:pPr>
             <a:r>
-              <a:rPr lang="en-US" altLang="zh-CN" dirty="0" err="1" smtClean="0"/>
-              <a:t>npm</a:t>
-            </a:r>
-            <a:r>
-              <a:rPr lang="en-US" altLang="zh-CN" dirty="0" smtClean="0"/>
-              <a:t> </a:t>
-            </a:r>
-            <a:r>
-              <a:rPr lang="en-US" altLang="zh-CN" dirty="0" err="1"/>
-              <a:t>i</a:t>
-            </a:r>
-            <a:r>
-              <a:rPr lang="en-US" altLang="zh-CN" dirty="0"/>
-              <a:t> </a:t>
-            </a:r>
-            <a:r>
-              <a:rPr lang="en-US" altLang="zh-CN" dirty="0" smtClean="0"/>
-              <a:t>puppeteer --save</a:t>
-            </a:r>
-            <a:endParaRPr lang="zh-CN" altLang="zh-CN" dirty="0"/>
+              <a:rPr lang="en-US" altLang="zh-CN"/>
+              <a:t>cnpm i puppeteer --save</a:t>
+            </a:r>
+            <a:endParaRPr lang="en-US" altLang="zh-CN"/>
           </a:p>
           <a:p>
             <a:endParaRPr lang="zh-CN" altLang="en-US" dirty="0"/>
@@ -4924,11 +5547,6 @@
         </p:txBody>
       </p:sp>
     </p:spTree>
-    <p:extLst>
-      <p:ext uri="{BB962C8B-B14F-4D97-AF65-F5344CB8AC3E}">
-        <p14:creationId xmlns:p14="http://schemas.microsoft.com/office/powerpoint/2010/main" val="1920736459"/>
-      </p:ext>
-    </p:extLst>
   </p:cSld>
   <p:clrMapOvr>
     <a:masterClrMapping/>
@@ -4998,6 +5616,7 @@
               <a:rPr lang="en-US" altLang="zh-CN" dirty="0" smtClean="0"/>
               <a:t>Puppeteer API &amp; examples</a:t>
             </a:r>
+            <a:endParaRPr lang="en-US" altLang="zh-CN" dirty="0" smtClean="0"/>
           </a:p>
           <a:p>
             <a:pPr marL="0" indent="0">
@@ -5018,7 +5637,7 @@
             </a:pPr>
             <a:r>
               <a:rPr lang="en-US" altLang="zh-CN" dirty="0" smtClean="0">
-                <a:hlinkClick r:id="rId2"/>
+                <a:hlinkClick r:id="rId1"/>
               </a:rPr>
               <a:t>https://zhaoqize.github.io/puppeteer-api-zh_CN/#/</a:t>
             </a:r>
@@ -5035,6 +5654,7 @@
               <a:rPr lang="en-US" altLang="zh-CN" dirty="0" smtClean="0"/>
               <a:t>Examples</a:t>
             </a:r>
+            <a:endParaRPr lang="en-US" altLang="zh-CN" dirty="0" smtClean="0"/>
           </a:p>
           <a:p>
             <a:pPr marL="0" indent="0">
@@ -5057,11 +5677,6 @@
         </p:txBody>
       </p:sp>
     </p:spTree>
-    <p:extLst>
-      <p:ext uri="{BB962C8B-B14F-4D97-AF65-F5344CB8AC3E}">
-        <p14:creationId xmlns:p14="http://schemas.microsoft.com/office/powerpoint/2010/main" val="3693468751"/>
-      </p:ext>
-    </p:extLst>
   </p:cSld>
   <p:clrMapOvr>
     <a:masterClrMapping/>
@@ -5204,7 +5819,7 @@
           <p:nvPr/>
         </p:nvPicPr>
         <p:blipFill>
-          <a:blip r:embed="rId2" cstate="print">
+          <a:blip r:embed="rId1" cstate="print">
             <a:extLst>
               <a:ext uri="{28A0092B-C50C-407E-A947-70E740481C1C}">
                 <a14:useLocalDpi xmlns:a14="http://schemas.microsoft.com/office/drawing/2010/main" val="0"/>
@@ -5226,11 +5841,6 @@
         </p:spPr>
       </p:pic>
     </p:spTree>
-    <p:extLst>
-      <p:ext uri="{BB962C8B-B14F-4D97-AF65-F5344CB8AC3E}">
-        <p14:creationId xmlns:p14="http://schemas.microsoft.com/office/powerpoint/2010/main" val="1630153558"/>
-      </p:ext>
-    </p:extLst>
   </p:cSld>
   <p:clrMapOvr>
     <a:masterClrMapping/>
@@ -5281,7 +5891,7 @@
     </a:clrScheme>
     <a:fontScheme name="Office">
       <a:majorFont>
-        <a:latin typeface="等线 Light" panose="020F0302020204030204"/>
+        <a:latin typeface="等线 Light"/>
         <a:ea typeface=""/>
         <a:cs typeface=""/>
         <a:font script="Jpan" typeface="游ゴシック Light"/>
@@ -5316,7 +5926,7 @@
         <a:font script="Geor" typeface="Sylfaen"/>
       </a:majorFont>
       <a:minorFont>
-        <a:latin typeface="等线" panose="020F0502020204030204"/>
+        <a:latin typeface="等线"/>
         <a:ea typeface=""/>
         <a:cs typeface=""/>
         <a:font script="Jpan" typeface="游ゴシック"/>
@@ -5489,8 +6099,6 @@
       </a:bgFillStyleLst>
     </a:fmtScheme>
   </a:themeElements>
-  <a:objectDefaults/>
-  <a:extraClrSchemeLst/>
   <a:extLst>
     <a:ext uri="{05A4C25C-085E-4340-85A3-A5531E510DB2}">
       <thm15:themeFamily xmlns:thm15="http://schemas.microsoft.com/office/thememl/2012/main" name="Office Theme" id="{62F939B6-93AF-4DB8-9C6B-D6C7DFDC589F}" vid="{4A3C46E8-61CC-4603-A589-7422A47A8E4A}"/>

--- a/前端工程化的几个常用工具.pptx
+++ b/前端工程化的几个常用工具.pptx
@@ -5,24 +5,24 @@
     <p:sldMasterId id="2147483648" r:id="rId1"/>
   </p:sldMasterIdLst>
   <p:sldIdLst>
-    <p:sldId id="256" r:id="rId3"/>
-    <p:sldId id="263" r:id="rId4"/>
-    <p:sldId id="267" r:id="rId5"/>
-    <p:sldId id="257" r:id="rId6"/>
-    <p:sldId id="268" r:id="rId7"/>
-    <p:sldId id="260" r:id="rId8"/>
-    <p:sldId id="258" r:id="rId9"/>
-    <p:sldId id="259" r:id="rId10"/>
-    <p:sldId id="264" r:id="rId11"/>
-    <p:sldId id="279" r:id="rId12"/>
-    <p:sldId id="261" r:id="rId13"/>
-    <p:sldId id="280" r:id="rId14"/>
-    <p:sldId id="281" r:id="rId15"/>
-    <p:sldId id="265" r:id="rId16"/>
-    <p:sldId id="266" r:id="rId17"/>
-    <p:sldId id="269" r:id="rId18"/>
-    <p:sldId id="270" r:id="rId19"/>
-    <p:sldId id="282" r:id="rId20"/>
+    <p:sldId id="256" r:id="rId2"/>
+    <p:sldId id="263" r:id="rId3"/>
+    <p:sldId id="267" r:id="rId4"/>
+    <p:sldId id="257" r:id="rId5"/>
+    <p:sldId id="268" r:id="rId6"/>
+    <p:sldId id="260" r:id="rId7"/>
+    <p:sldId id="258" r:id="rId8"/>
+    <p:sldId id="259" r:id="rId9"/>
+    <p:sldId id="264" r:id="rId10"/>
+    <p:sldId id="279" r:id="rId11"/>
+    <p:sldId id="261" r:id="rId12"/>
+    <p:sldId id="280" r:id="rId13"/>
+    <p:sldId id="281" r:id="rId14"/>
+    <p:sldId id="265" r:id="rId15"/>
+    <p:sldId id="266" r:id="rId16"/>
+    <p:sldId id="269" r:id="rId17"/>
+    <p:sldId id="270" r:id="rId18"/>
+    <p:sldId id="282" r:id="rId19"/>
   </p:sldIdLst>
   <p:sldSz cx="12192000" cy="6858000"/>
   <p:notesSz cx="6858000" cy="9144000"/>
@@ -121,6 +121,11 @@
       </a:defRPr>
     </a:lvl9pPr>
   </p:defaultTextStyle>
+  <p:extLst>
+    <p:ext uri="{EFAFB233-063F-42B5-8137-9DF3F51BA10A}">
+      <p15:sldGuideLst xmlns:p15="http://schemas.microsoft.com/office/powerpoint/2012/main"/>
+    </p:ext>
+  </p:extLst>
 </p:presentation>
 </file>
 
@@ -255,6 +260,7 @@
           <a:p>
             <a:fld id="{CFA5DE2B-BD2F-4D0E-9DB8-2F1CC9243400}" type="datetimeFigureOut">
               <a:rPr lang="zh-CN" altLang="en-US" smtClean="0"/>
+              <a:t>2018/12/4</a:t>
             </a:fld>
             <a:endParaRPr lang="zh-CN" altLang="en-US"/>
           </a:p>
@@ -296,6 +302,7 @@
           <a:p>
             <a:fld id="{4F16DF9D-48D5-4515-BBE6-BFA12C95D697}" type="slidenum">
               <a:rPr lang="zh-CN" altLang="en-US" smtClean="0"/>
+              <a:t>‹#›</a:t>
             </a:fld>
             <a:endParaRPr lang="zh-CN" altLang="en-US"/>
           </a:p>
@@ -369,7 +376,6 @@
               <a:rPr lang="zh-CN" altLang="en-US" smtClean="0"/>
               <a:t>编辑母版文本样式</a:t>
             </a:r>
-            <a:endParaRPr lang="zh-CN" altLang="en-US" smtClean="0"/>
           </a:p>
           <a:p>
             <a:pPr lvl="1"/>
@@ -377,7 +383,6 @@
               <a:rPr lang="zh-CN" altLang="en-US" smtClean="0"/>
               <a:t>第二级</a:t>
             </a:r>
-            <a:endParaRPr lang="zh-CN" altLang="en-US" smtClean="0"/>
           </a:p>
           <a:p>
             <a:pPr lvl="2"/>
@@ -385,7 +390,6 @@
               <a:rPr lang="zh-CN" altLang="en-US" smtClean="0"/>
               <a:t>第三级</a:t>
             </a:r>
-            <a:endParaRPr lang="zh-CN" altLang="en-US" smtClean="0"/>
           </a:p>
           <a:p>
             <a:pPr lvl="3"/>
@@ -393,7 +397,6 @@
               <a:rPr lang="zh-CN" altLang="en-US" smtClean="0"/>
               <a:t>第四级</a:t>
             </a:r>
-            <a:endParaRPr lang="zh-CN" altLang="en-US" smtClean="0"/>
           </a:p>
           <a:p>
             <a:pPr lvl="4"/>
@@ -422,6 +425,7 @@
           <a:p>
             <a:fld id="{CFA5DE2B-BD2F-4D0E-9DB8-2F1CC9243400}" type="datetimeFigureOut">
               <a:rPr lang="zh-CN" altLang="en-US" smtClean="0"/>
+              <a:t>2018/12/4</a:t>
             </a:fld>
             <a:endParaRPr lang="zh-CN" altLang="en-US"/>
           </a:p>
@@ -463,6 +467,7 @@
           <a:p>
             <a:fld id="{4F16DF9D-48D5-4515-BBE6-BFA12C95D697}" type="slidenum">
               <a:rPr lang="zh-CN" altLang="en-US" smtClean="0"/>
+              <a:t>‹#›</a:t>
             </a:fld>
             <a:endParaRPr lang="zh-CN" altLang="en-US"/>
           </a:p>
@@ -546,7 +551,6 @@
               <a:rPr lang="zh-CN" altLang="en-US" smtClean="0"/>
               <a:t>编辑母版文本样式</a:t>
             </a:r>
-            <a:endParaRPr lang="zh-CN" altLang="en-US" smtClean="0"/>
           </a:p>
           <a:p>
             <a:pPr lvl="1"/>
@@ -554,7 +558,6 @@
               <a:rPr lang="zh-CN" altLang="en-US" smtClean="0"/>
               <a:t>第二级</a:t>
             </a:r>
-            <a:endParaRPr lang="zh-CN" altLang="en-US" smtClean="0"/>
           </a:p>
           <a:p>
             <a:pPr lvl="2"/>
@@ -562,7 +565,6 @@
               <a:rPr lang="zh-CN" altLang="en-US" smtClean="0"/>
               <a:t>第三级</a:t>
             </a:r>
-            <a:endParaRPr lang="zh-CN" altLang="en-US" smtClean="0"/>
           </a:p>
           <a:p>
             <a:pPr lvl="3"/>
@@ -570,7 +572,6 @@
               <a:rPr lang="zh-CN" altLang="en-US" smtClean="0"/>
               <a:t>第四级</a:t>
             </a:r>
-            <a:endParaRPr lang="zh-CN" altLang="en-US" smtClean="0"/>
           </a:p>
           <a:p>
             <a:pPr lvl="4"/>
@@ -599,6 +600,7 @@
           <a:p>
             <a:fld id="{CFA5DE2B-BD2F-4D0E-9DB8-2F1CC9243400}" type="datetimeFigureOut">
               <a:rPr lang="zh-CN" altLang="en-US" smtClean="0"/>
+              <a:t>2018/12/4</a:t>
             </a:fld>
             <a:endParaRPr lang="zh-CN" altLang="en-US"/>
           </a:p>
@@ -640,6 +642,7 @@
           <a:p>
             <a:fld id="{4F16DF9D-48D5-4515-BBE6-BFA12C95D697}" type="slidenum">
               <a:rPr lang="zh-CN" altLang="en-US" smtClean="0"/>
+              <a:t>‹#›</a:t>
             </a:fld>
             <a:endParaRPr lang="zh-CN" altLang="en-US"/>
           </a:p>
@@ -713,7 +716,6 @@
               <a:rPr lang="zh-CN" altLang="en-US" smtClean="0"/>
               <a:t>编辑母版文本样式</a:t>
             </a:r>
-            <a:endParaRPr lang="zh-CN" altLang="en-US" smtClean="0"/>
           </a:p>
           <a:p>
             <a:pPr lvl="1"/>
@@ -721,7 +723,6 @@
               <a:rPr lang="zh-CN" altLang="en-US" smtClean="0"/>
               <a:t>第二级</a:t>
             </a:r>
-            <a:endParaRPr lang="zh-CN" altLang="en-US" smtClean="0"/>
           </a:p>
           <a:p>
             <a:pPr lvl="2"/>
@@ -729,7 +730,6 @@
               <a:rPr lang="zh-CN" altLang="en-US" smtClean="0"/>
               <a:t>第三级</a:t>
             </a:r>
-            <a:endParaRPr lang="zh-CN" altLang="en-US" smtClean="0"/>
           </a:p>
           <a:p>
             <a:pPr lvl="3"/>
@@ -737,7 +737,6 @@
               <a:rPr lang="zh-CN" altLang="en-US" smtClean="0"/>
               <a:t>第四级</a:t>
             </a:r>
-            <a:endParaRPr lang="zh-CN" altLang="en-US" smtClean="0"/>
           </a:p>
           <a:p>
             <a:pPr lvl="4"/>
@@ -766,6 +765,7 @@
           <a:p>
             <a:fld id="{CFA5DE2B-BD2F-4D0E-9DB8-2F1CC9243400}" type="datetimeFigureOut">
               <a:rPr lang="zh-CN" altLang="en-US" smtClean="0"/>
+              <a:t>2018/12/4</a:t>
             </a:fld>
             <a:endParaRPr lang="zh-CN" altLang="en-US"/>
           </a:p>
@@ -807,6 +807,7 @@
           <a:p>
             <a:fld id="{4F16DF9D-48D5-4515-BBE6-BFA12C95D697}" type="slidenum">
               <a:rPr lang="zh-CN" altLang="en-US" smtClean="0"/>
+              <a:t>‹#›</a:t>
             </a:fld>
             <a:endParaRPr lang="zh-CN" altLang="en-US"/>
           </a:p>
@@ -985,7 +986,6 @@
               <a:rPr lang="zh-CN" altLang="en-US" smtClean="0"/>
               <a:t>编辑母版文本样式</a:t>
             </a:r>
-            <a:endParaRPr lang="zh-CN" altLang="en-US" smtClean="0"/>
           </a:p>
         </p:txBody>
       </p:sp>
@@ -1006,6 +1006,7 @@
           <a:p>
             <a:fld id="{CFA5DE2B-BD2F-4D0E-9DB8-2F1CC9243400}" type="datetimeFigureOut">
               <a:rPr lang="zh-CN" altLang="en-US" smtClean="0"/>
+              <a:t>2018/12/4</a:t>
             </a:fld>
             <a:endParaRPr lang="zh-CN" altLang="en-US"/>
           </a:p>
@@ -1047,6 +1048,7 @@
           <a:p>
             <a:fld id="{4F16DF9D-48D5-4515-BBE6-BFA12C95D697}" type="slidenum">
               <a:rPr lang="zh-CN" altLang="en-US" smtClean="0"/>
+              <a:t>‹#›</a:t>
             </a:fld>
             <a:endParaRPr lang="zh-CN" altLang="en-US"/>
           </a:p>
@@ -1125,7 +1127,6 @@
               <a:rPr lang="zh-CN" altLang="en-US" smtClean="0"/>
               <a:t>编辑母版文本样式</a:t>
             </a:r>
-            <a:endParaRPr lang="zh-CN" altLang="en-US" smtClean="0"/>
           </a:p>
           <a:p>
             <a:pPr lvl="1"/>
@@ -1133,7 +1134,6 @@
               <a:rPr lang="zh-CN" altLang="en-US" smtClean="0"/>
               <a:t>第二级</a:t>
             </a:r>
-            <a:endParaRPr lang="zh-CN" altLang="en-US" smtClean="0"/>
           </a:p>
           <a:p>
             <a:pPr lvl="2"/>
@@ -1141,7 +1141,6 @@
               <a:rPr lang="zh-CN" altLang="en-US" smtClean="0"/>
               <a:t>第三级</a:t>
             </a:r>
-            <a:endParaRPr lang="zh-CN" altLang="en-US" smtClean="0"/>
           </a:p>
           <a:p>
             <a:pPr lvl="3"/>
@@ -1149,7 +1148,6 @@
               <a:rPr lang="zh-CN" altLang="en-US" smtClean="0"/>
               <a:t>第四级</a:t>
             </a:r>
-            <a:endParaRPr lang="zh-CN" altLang="en-US" smtClean="0"/>
           </a:p>
           <a:p>
             <a:pPr lvl="4"/>
@@ -1186,7 +1184,6 @@
               <a:rPr lang="zh-CN" altLang="en-US" smtClean="0"/>
               <a:t>编辑母版文本样式</a:t>
             </a:r>
-            <a:endParaRPr lang="zh-CN" altLang="en-US" smtClean="0"/>
           </a:p>
           <a:p>
             <a:pPr lvl="1"/>
@@ -1194,7 +1191,6 @@
               <a:rPr lang="zh-CN" altLang="en-US" smtClean="0"/>
               <a:t>第二级</a:t>
             </a:r>
-            <a:endParaRPr lang="zh-CN" altLang="en-US" smtClean="0"/>
           </a:p>
           <a:p>
             <a:pPr lvl="2"/>
@@ -1202,7 +1198,6 @@
               <a:rPr lang="zh-CN" altLang="en-US" smtClean="0"/>
               <a:t>第三级</a:t>
             </a:r>
-            <a:endParaRPr lang="zh-CN" altLang="en-US" smtClean="0"/>
           </a:p>
           <a:p>
             <a:pPr lvl="3"/>
@@ -1210,7 +1205,6 @@
               <a:rPr lang="zh-CN" altLang="en-US" smtClean="0"/>
               <a:t>第四级</a:t>
             </a:r>
-            <a:endParaRPr lang="zh-CN" altLang="en-US" smtClean="0"/>
           </a:p>
           <a:p>
             <a:pPr lvl="4"/>
@@ -1239,6 +1233,7 @@
           <a:p>
             <a:fld id="{CFA5DE2B-BD2F-4D0E-9DB8-2F1CC9243400}" type="datetimeFigureOut">
               <a:rPr lang="zh-CN" altLang="en-US" smtClean="0"/>
+              <a:t>2018/12/4</a:t>
             </a:fld>
             <a:endParaRPr lang="zh-CN" altLang="en-US"/>
           </a:p>
@@ -1280,6 +1275,7 @@
           <a:p>
             <a:fld id="{4F16DF9D-48D5-4515-BBE6-BFA12C95D697}" type="slidenum">
               <a:rPr lang="zh-CN" altLang="en-US" smtClean="0"/>
+              <a:t>‹#›</a:t>
             </a:fld>
             <a:endParaRPr lang="zh-CN" altLang="en-US"/>
           </a:p>
@@ -1400,7 +1396,6 @@
               <a:rPr lang="zh-CN" altLang="en-US" smtClean="0"/>
               <a:t>编辑母版文本样式</a:t>
             </a:r>
-            <a:endParaRPr lang="zh-CN" altLang="en-US" smtClean="0"/>
           </a:p>
         </p:txBody>
       </p:sp>
@@ -1429,7 +1424,6 @@
               <a:rPr lang="zh-CN" altLang="en-US" smtClean="0"/>
               <a:t>编辑母版文本样式</a:t>
             </a:r>
-            <a:endParaRPr lang="zh-CN" altLang="en-US" smtClean="0"/>
           </a:p>
           <a:p>
             <a:pPr lvl="1"/>
@@ -1437,7 +1431,6 @@
               <a:rPr lang="zh-CN" altLang="en-US" smtClean="0"/>
               <a:t>第二级</a:t>
             </a:r>
-            <a:endParaRPr lang="zh-CN" altLang="en-US" smtClean="0"/>
           </a:p>
           <a:p>
             <a:pPr lvl="2"/>
@@ -1445,7 +1438,6 @@
               <a:rPr lang="zh-CN" altLang="en-US" smtClean="0"/>
               <a:t>第三级</a:t>
             </a:r>
-            <a:endParaRPr lang="zh-CN" altLang="en-US" smtClean="0"/>
           </a:p>
           <a:p>
             <a:pPr lvl="3"/>
@@ -1453,7 +1445,6 @@
               <a:rPr lang="zh-CN" altLang="en-US" smtClean="0"/>
               <a:t>第四级</a:t>
             </a:r>
-            <a:endParaRPr lang="zh-CN" altLang="en-US" smtClean="0"/>
           </a:p>
           <a:p>
             <a:pPr lvl="4"/>
@@ -1527,7 +1518,6 @@
               <a:rPr lang="zh-CN" altLang="en-US" smtClean="0"/>
               <a:t>编辑母版文本样式</a:t>
             </a:r>
-            <a:endParaRPr lang="zh-CN" altLang="en-US" smtClean="0"/>
           </a:p>
         </p:txBody>
       </p:sp>
@@ -1556,7 +1546,6 @@
               <a:rPr lang="zh-CN" altLang="en-US" smtClean="0"/>
               <a:t>编辑母版文本样式</a:t>
             </a:r>
-            <a:endParaRPr lang="zh-CN" altLang="en-US" smtClean="0"/>
           </a:p>
           <a:p>
             <a:pPr lvl="1"/>
@@ -1564,7 +1553,6 @@
               <a:rPr lang="zh-CN" altLang="en-US" smtClean="0"/>
               <a:t>第二级</a:t>
             </a:r>
-            <a:endParaRPr lang="zh-CN" altLang="en-US" smtClean="0"/>
           </a:p>
           <a:p>
             <a:pPr lvl="2"/>
@@ -1572,7 +1560,6 @@
               <a:rPr lang="zh-CN" altLang="en-US" smtClean="0"/>
               <a:t>第三级</a:t>
             </a:r>
-            <a:endParaRPr lang="zh-CN" altLang="en-US" smtClean="0"/>
           </a:p>
           <a:p>
             <a:pPr lvl="3"/>
@@ -1580,7 +1567,6 @@
               <a:rPr lang="zh-CN" altLang="en-US" smtClean="0"/>
               <a:t>第四级</a:t>
             </a:r>
-            <a:endParaRPr lang="zh-CN" altLang="en-US" smtClean="0"/>
           </a:p>
           <a:p>
             <a:pPr lvl="4"/>
@@ -1609,6 +1595,7 @@
           <a:p>
             <a:fld id="{CFA5DE2B-BD2F-4D0E-9DB8-2F1CC9243400}" type="datetimeFigureOut">
               <a:rPr lang="zh-CN" altLang="en-US" smtClean="0"/>
+              <a:t>2018/12/4</a:t>
             </a:fld>
             <a:endParaRPr lang="zh-CN" altLang="en-US"/>
           </a:p>
@@ -1650,6 +1637,7 @@
           <a:p>
             <a:fld id="{4F16DF9D-48D5-4515-BBE6-BFA12C95D697}" type="slidenum">
               <a:rPr lang="zh-CN" altLang="en-US" smtClean="0"/>
+              <a:t>‹#›</a:t>
             </a:fld>
             <a:endParaRPr lang="zh-CN" altLang="en-US"/>
           </a:p>
@@ -1720,6 +1708,7 @@
           <a:p>
             <a:fld id="{CFA5DE2B-BD2F-4D0E-9DB8-2F1CC9243400}" type="datetimeFigureOut">
               <a:rPr lang="zh-CN" altLang="en-US" smtClean="0"/>
+              <a:t>2018/12/4</a:t>
             </a:fld>
             <a:endParaRPr lang="zh-CN" altLang="en-US"/>
           </a:p>
@@ -1761,6 +1750,7 @@
           <a:p>
             <a:fld id="{4F16DF9D-48D5-4515-BBE6-BFA12C95D697}" type="slidenum">
               <a:rPr lang="zh-CN" altLang="en-US" smtClean="0"/>
+              <a:t>‹#›</a:t>
             </a:fld>
             <a:endParaRPr lang="zh-CN" altLang="en-US"/>
           </a:p>
@@ -1808,6 +1798,7 @@
           <a:p>
             <a:fld id="{CFA5DE2B-BD2F-4D0E-9DB8-2F1CC9243400}" type="datetimeFigureOut">
               <a:rPr lang="zh-CN" altLang="en-US" smtClean="0"/>
+              <a:t>2018/12/4</a:t>
             </a:fld>
             <a:endParaRPr lang="zh-CN" altLang="en-US"/>
           </a:p>
@@ -1849,6 +1840,7 @@
           <a:p>
             <a:fld id="{4F16DF9D-48D5-4515-BBE6-BFA12C95D697}" type="slidenum">
               <a:rPr lang="zh-CN" altLang="en-US" smtClean="0"/>
+              <a:t>‹#›</a:t>
             </a:fld>
             <a:endParaRPr lang="zh-CN" altLang="en-US"/>
           </a:p>
@@ -1964,7 +1956,6 @@
               <a:rPr lang="zh-CN" altLang="en-US" smtClean="0"/>
               <a:t>编辑母版文本样式</a:t>
             </a:r>
-            <a:endParaRPr lang="zh-CN" altLang="en-US" smtClean="0"/>
           </a:p>
           <a:p>
             <a:pPr lvl="1"/>
@@ -1972,7 +1963,6 @@
               <a:rPr lang="zh-CN" altLang="en-US" smtClean="0"/>
               <a:t>第二级</a:t>
             </a:r>
-            <a:endParaRPr lang="zh-CN" altLang="en-US" smtClean="0"/>
           </a:p>
           <a:p>
             <a:pPr lvl="2"/>
@@ -1980,7 +1970,6 @@
               <a:rPr lang="zh-CN" altLang="en-US" smtClean="0"/>
               <a:t>第三级</a:t>
             </a:r>
-            <a:endParaRPr lang="zh-CN" altLang="en-US" smtClean="0"/>
           </a:p>
           <a:p>
             <a:pPr lvl="3"/>
@@ -1988,7 +1977,6 @@
               <a:rPr lang="zh-CN" altLang="en-US" smtClean="0"/>
               <a:t>第四级</a:t>
             </a:r>
-            <a:endParaRPr lang="zh-CN" altLang="en-US" smtClean="0"/>
           </a:p>
           <a:p>
             <a:pPr lvl="4"/>
@@ -2062,7 +2050,6 @@
               <a:rPr lang="zh-CN" altLang="en-US" smtClean="0"/>
               <a:t>编辑母版文本样式</a:t>
             </a:r>
-            <a:endParaRPr lang="zh-CN" altLang="en-US" smtClean="0"/>
           </a:p>
         </p:txBody>
       </p:sp>
@@ -2083,6 +2070,7 @@
           <a:p>
             <a:fld id="{CFA5DE2B-BD2F-4D0E-9DB8-2F1CC9243400}" type="datetimeFigureOut">
               <a:rPr lang="zh-CN" altLang="en-US" smtClean="0"/>
+              <a:t>2018/12/4</a:t>
             </a:fld>
             <a:endParaRPr lang="zh-CN" altLang="en-US"/>
           </a:p>
@@ -2124,6 +2112,7 @@
           <a:p>
             <a:fld id="{4F16DF9D-48D5-4515-BBE6-BFA12C95D697}" type="slidenum">
               <a:rPr lang="zh-CN" altLang="en-US" smtClean="0"/>
+              <a:t>‹#›</a:t>
             </a:fld>
             <a:endParaRPr lang="zh-CN" altLang="en-US"/>
           </a:p>
@@ -2309,7 +2298,6 @@
               <a:rPr lang="zh-CN" altLang="en-US" smtClean="0"/>
               <a:t>编辑母版文本样式</a:t>
             </a:r>
-            <a:endParaRPr lang="zh-CN" altLang="en-US" smtClean="0"/>
           </a:p>
         </p:txBody>
       </p:sp>
@@ -2330,6 +2318,7 @@
           <a:p>
             <a:fld id="{CFA5DE2B-BD2F-4D0E-9DB8-2F1CC9243400}" type="datetimeFigureOut">
               <a:rPr lang="zh-CN" altLang="en-US" smtClean="0"/>
+              <a:t>2018/12/4</a:t>
             </a:fld>
             <a:endParaRPr lang="zh-CN" altLang="en-US"/>
           </a:p>
@@ -2371,6 +2360,7 @@
           <a:p>
             <a:fld id="{4F16DF9D-48D5-4515-BBE6-BFA12C95D697}" type="slidenum">
               <a:rPr lang="zh-CN" altLang="en-US" smtClean="0"/>
+              <a:t>‹#›</a:t>
             </a:fld>
             <a:endParaRPr lang="zh-CN" altLang="en-US"/>
           </a:p>
@@ -2469,7 +2459,6 @@
               <a:rPr lang="zh-CN" altLang="en-US" smtClean="0"/>
               <a:t>编辑母版文本样式</a:t>
             </a:r>
-            <a:endParaRPr lang="zh-CN" altLang="en-US" smtClean="0"/>
           </a:p>
           <a:p>
             <a:pPr lvl="1"/>
@@ -2477,7 +2466,6 @@
               <a:rPr lang="zh-CN" altLang="en-US" smtClean="0"/>
               <a:t>第二级</a:t>
             </a:r>
-            <a:endParaRPr lang="zh-CN" altLang="en-US" smtClean="0"/>
           </a:p>
           <a:p>
             <a:pPr lvl="2"/>
@@ -2485,7 +2473,6 @@
               <a:rPr lang="zh-CN" altLang="en-US" smtClean="0"/>
               <a:t>第三级</a:t>
             </a:r>
-            <a:endParaRPr lang="zh-CN" altLang="en-US" smtClean="0"/>
           </a:p>
           <a:p>
             <a:pPr lvl="3"/>
@@ -2493,7 +2480,6 @@
               <a:rPr lang="zh-CN" altLang="en-US" smtClean="0"/>
               <a:t>第四级</a:t>
             </a:r>
-            <a:endParaRPr lang="zh-CN" altLang="en-US" smtClean="0"/>
           </a:p>
           <a:p>
             <a:pPr lvl="4"/>
@@ -2540,6 +2526,7 @@
           <a:p>
             <a:fld id="{CFA5DE2B-BD2F-4D0E-9DB8-2F1CC9243400}" type="datetimeFigureOut">
               <a:rPr lang="zh-CN" altLang="en-US" smtClean="0"/>
+              <a:t>2018/12/4</a:t>
             </a:fld>
             <a:endParaRPr lang="zh-CN" altLang="en-US"/>
           </a:p>
@@ -2617,6 +2604,7 @@
           <a:p>
             <a:fld id="{4F16DF9D-48D5-4515-BBE6-BFA12C95D697}" type="slidenum">
               <a:rPr lang="zh-CN" altLang="en-US" smtClean="0"/>
+              <a:t>‹#›</a:t>
             </a:fld>
             <a:endParaRPr lang="zh-CN" altLang="en-US"/>
           </a:p>
@@ -2997,7 +2985,14 @@
         <p:cNvGrpSpPr/>
         <p:nvPr/>
       </p:nvGrpSpPr>
-      <p:grpSpPr/>
+      <p:grpSpPr>
+        <a:xfrm>
+          <a:off x="0" y="0"/>
+          <a:ext cx="0" cy="0"/>
+          <a:chOff x="0" y="0"/>
+          <a:chExt cx="0" cy="0"/>
+        </a:xfrm>
+      </p:grpSpPr>
       <p:sp>
         <p:nvSpPr>
           <p:cNvPr id="2" name="标题 1"/>
@@ -3011,6 +3006,7 @@
         <p:spPr/>
         <p:txBody>
           <a:bodyPr/>
+          <a:lstStyle/>
           <a:p>
             <a:r>
               <a:rPr lang="en-US" altLang="zh-CN" dirty="0">
@@ -3037,6 +3033,7 @@
           <a:bodyPr>
             <a:normAutofit lnSpcReduction="10000"/>
           </a:bodyPr>
+          <a:lstStyle/>
           <a:p>
             <a:pPr marL="0" indent="0">
               <a:buNone/>
@@ -3045,7 +3042,6 @@
               <a:rPr lang="zh-CN" altLang="en-US"/>
               <a:t>"scripts": {</a:t>
             </a:r>
-            <a:endParaRPr lang="zh-CN" altLang="en-US"/>
           </a:p>
           <a:p>
             <a:pPr marL="0" indent="0">
@@ -3087,7 +3083,6 @@
               <a:rPr lang="zh-CN" altLang="en-US"/>
               <a:t>"husky": {</a:t>
             </a:r>
-            <a:endParaRPr lang="zh-CN" altLang="en-US"/>
           </a:p>
           <a:p>
             <a:pPr marL="0" indent="0">
@@ -3097,7 +3092,6 @@
               <a:rPr lang="zh-CN" altLang="en-US"/>
               <a:t>    "hooks": {</a:t>
             </a:r>
-            <a:endParaRPr lang="zh-CN" altLang="en-US"/>
           </a:p>
           <a:p>
             <a:pPr marL="0" indent="0">
@@ -3107,7 +3101,6 @@
               <a:rPr lang="zh-CN" altLang="en-US"/>
               <a:t>      "pre-commit": "gulp git:diff &amp;&amp; node script/lintScript.js"</a:t>
             </a:r>
-            <a:endParaRPr lang="zh-CN" altLang="en-US"/>
           </a:p>
           <a:p>
             <a:pPr marL="0" indent="0">
@@ -3117,7 +3110,6 @@
               <a:rPr lang="zh-CN" altLang="en-US"/>
               <a:t>    }</a:t>
             </a:r>
-            <a:endParaRPr lang="zh-CN" altLang="en-US"/>
           </a:p>
           <a:p>
             <a:pPr marL="0" indent="0">
@@ -3127,7 +3119,6 @@
               <a:rPr lang="zh-CN" altLang="en-US"/>
               <a:t>  }</a:t>
             </a:r>
-            <a:endParaRPr lang="zh-CN" altLang="en-US"/>
           </a:p>
         </p:txBody>
       </p:sp>
@@ -3192,7 +3183,7 @@
         <p:spPr/>
         <p:txBody>
           <a:bodyPr>
-            <a:normAutofit lnSpcReduction="10000"/>
+            <a:normAutofit/>
           </a:bodyPr>
           <a:lstStyle/>
           <a:p>
@@ -3233,7 +3224,6 @@
               <a:rPr lang="zh-CN" altLang="en-US" dirty="0" smtClean="0"/>
               <a:t>。</a:t>
             </a:r>
-            <a:endParaRPr lang="zh-CN" altLang="en-US" dirty="0" smtClean="0"/>
           </a:p>
           <a:p>
             <a:endParaRPr lang="zh-CN" altLang="en-US" dirty="0" smtClean="0"/>
@@ -3247,7 +3237,6 @@
               <a:rPr lang="en-US" altLang="zh-CN" dirty="0" smtClean="0"/>
               <a:t>.eslintrc</a:t>
             </a:r>
-            <a:endParaRPr lang="en-US" altLang="zh-CN" dirty="0" smtClean="0"/>
           </a:p>
           <a:p>
             <a:endParaRPr lang="en-US" altLang="zh-CN" dirty="0"/>
@@ -3274,7 +3263,7 @@
           <p:nvPr/>
         </p:nvPicPr>
         <p:blipFill>
-          <a:blip r:embed="rId1">
+          <a:blip r:embed="rId2">
             <a:extLst>
               <a:ext uri="{28A0092B-C50C-407E-A947-70E740481C1C}">
                 <a14:useLocalDpi xmlns:a14="http://schemas.microsoft.com/office/drawing/2010/main" val="0"/>
@@ -3312,7 +3301,14 @@
         <p:cNvGrpSpPr/>
         <p:nvPr/>
       </p:nvGrpSpPr>
-      <p:grpSpPr/>
+      <p:grpSpPr>
+        <a:xfrm>
+          <a:off x="0" y="0"/>
+          <a:ext cx="0" cy="0"/>
+          <a:chOff x="0" y="0"/>
+          <a:chExt cx="0" cy="0"/>
+        </a:xfrm>
+      </p:grpSpPr>
       <p:sp>
         <p:nvSpPr>
           <p:cNvPr id="2" name="标题 1"/>
@@ -3326,6 +3322,7 @@
         <p:spPr/>
         <p:txBody>
           <a:bodyPr/>
+          <a:lstStyle/>
           <a:p>
             <a:r>
               <a:rPr lang="en-US" altLang="zh-CN" dirty="0" err="1" smtClean="0">
@@ -3350,8 +3347,9 @@
         <p:spPr/>
         <p:txBody>
           <a:bodyPr>
-            <a:normAutofit fontScale="80000"/>
+            <a:normAutofit fontScale="87500" lnSpcReduction="10000"/>
           </a:bodyPr>
+          <a:lstStyle/>
           <a:p>
             <a:pPr marL="0" indent="0">
               <a:buNone/>
@@ -3360,7 +3358,6 @@
               <a:rPr lang="zh-CN" altLang="en-US"/>
               <a:t>禁用规则</a:t>
             </a:r>
-            <a:endParaRPr lang="zh-CN" altLang="en-US"/>
           </a:p>
           <a:p>
             <a:pPr marL="0" indent="0">
@@ -3384,7 +3381,6 @@
               <a:rPr lang="en-US" altLang="zh-CN"/>
               <a:t>以下格式使用块注释</a:t>
             </a:r>
-            <a:endParaRPr lang="en-US" altLang="zh-CN"/>
           </a:p>
           <a:p>
             <a:pPr marL="0" indent="0">
@@ -3394,7 +3390,6 @@
               <a:rPr lang="en-US" altLang="zh-CN"/>
               <a:t>/* eslint-disable */</a:t>
             </a:r>
-            <a:endParaRPr lang="en-US" altLang="zh-CN"/>
           </a:p>
           <a:p>
             <a:pPr marL="0" indent="0">
@@ -3404,7 +3399,6 @@
               <a:rPr lang="en-US" altLang="zh-CN"/>
               <a:t>...</a:t>
             </a:r>
-            <a:endParaRPr lang="en-US" altLang="zh-CN"/>
           </a:p>
           <a:p>
             <a:pPr marL="0" indent="0">
@@ -3414,7 +3408,6 @@
               <a:rPr lang="en-US" altLang="zh-CN"/>
               <a:t>/* eslint-enable */</a:t>
             </a:r>
-            <a:endParaRPr lang="en-US" altLang="zh-CN"/>
           </a:p>
           <a:p>
             <a:pPr marL="0" indent="0">
@@ -3424,7 +3417,6 @@
               <a:rPr lang="en-US" altLang="zh-CN"/>
               <a:t>禁用或启用特定规则的警告：</a:t>
             </a:r>
-            <a:endParaRPr lang="en-US" altLang="zh-CN"/>
           </a:p>
           <a:p>
             <a:pPr marL="0" indent="0">
@@ -3434,7 +3426,6 @@
               <a:rPr lang="en-US" altLang="zh-CN"/>
               <a:t>/* eslint-disable no-alert, no-console */</a:t>
             </a:r>
-            <a:endParaRPr lang="en-US" altLang="zh-CN"/>
           </a:p>
           <a:p>
             <a:pPr marL="0" indent="0">
@@ -3444,7 +3435,6 @@
               <a:rPr lang="en-US" altLang="zh-CN"/>
               <a:t>...</a:t>
             </a:r>
-            <a:endParaRPr lang="en-US" altLang="zh-CN"/>
           </a:p>
           <a:p>
             <a:pPr marL="0" indent="0">
@@ -3454,7 +3444,6 @@
               <a:rPr lang="en-US" altLang="zh-CN"/>
               <a:t>/* eslint-enable no-alert, no-console */</a:t>
             </a:r>
-            <a:endParaRPr lang="en-US" altLang="zh-CN"/>
           </a:p>
           <a:p>
             <a:pPr marL="0" indent="0">
@@ -3481,7 +3470,14 @@
         <p:cNvGrpSpPr/>
         <p:nvPr/>
       </p:nvGrpSpPr>
-      <p:grpSpPr/>
+      <p:grpSpPr>
+        <a:xfrm>
+          <a:off x="0" y="0"/>
+          <a:ext cx="0" cy="0"/>
+          <a:chOff x="0" y="0"/>
+          <a:chExt cx="0" cy="0"/>
+        </a:xfrm>
+      </p:grpSpPr>
       <p:sp>
         <p:nvSpPr>
           <p:cNvPr id="2" name="标题 1"/>
@@ -3495,6 +3491,7 @@
         <p:spPr/>
         <p:txBody>
           <a:bodyPr/>
+          <a:lstStyle/>
           <a:p>
             <a:r>
               <a:rPr lang="en-US" altLang="zh-CN" dirty="0" err="1" smtClean="0">
@@ -3521,6 +3518,7 @@
           <a:bodyPr>
             <a:normAutofit fontScale="90000" lnSpcReduction="20000"/>
           </a:bodyPr>
+          <a:lstStyle/>
           <a:p>
             <a:pPr marL="0" indent="0">
               <a:buNone/>
@@ -3547,7 +3545,6 @@
               <a:rPr lang="zh-CN" altLang="en-US"/>
               <a:t>要在整个文件中禁用规则警告，请在文件/* eslint-disable */顶部放置块注释：</a:t>
             </a:r>
-            <a:endParaRPr lang="zh-CN" altLang="en-US"/>
           </a:p>
           <a:p>
             <a:pPr marL="0" indent="0">
@@ -3557,7 +3554,6 @@
               <a:rPr lang="zh-CN" altLang="en-US"/>
               <a:t>/* eslint-disable */</a:t>
             </a:r>
-            <a:endParaRPr lang="zh-CN" altLang="en-US"/>
           </a:p>
           <a:p>
             <a:pPr marL="0" indent="0">
@@ -3583,7 +3579,6 @@
               <a:rPr lang="zh-CN" altLang="en-US"/>
               <a:t>// eslint-disable-next-line</a:t>
             </a:r>
-            <a:endParaRPr lang="zh-CN" altLang="en-US"/>
           </a:p>
           <a:p>
             <a:pPr marL="0" indent="0">
@@ -3593,7 +3588,6 @@
               <a:rPr lang="zh-CN" altLang="en-US"/>
               <a:t>alert('foo');</a:t>
             </a:r>
-            <a:endParaRPr lang="zh-CN" altLang="en-US"/>
           </a:p>
           <a:p>
             <a:pPr marL="0" indent="0">
@@ -3609,7 +3603,6 @@
               <a:rPr lang="zh-CN" altLang="en-US"/>
               <a:t>alert('foo'); /* eslint-disable-line */</a:t>
             </a:r>
-            <a:endParaRPr lang="zh-CN" altLang="en-US"/>
           </a:p>
         </p:txBody>
       </p:sp>
@@ -3716,28 +3709,24 @@
               <a:rPr lang="zh-CN" altLang="en-US" dirty="0"/>
               <a:t>可配置化</a:t>
             </a:r>
-            <a:endParaRPr lang="zh-CN" altLang="en-US" dirty="0"/>
           </a:p>
           <a:p>
             <a:r>
               <a:rPr lang="zh-CN" altLang="en-US" dirty="0"/>
               <a:t>支持多种语言</a:t>
             </a:r>
-            <a:endParaRPr lang="zh-CN" altLang="en-US" dirty="0"/>
           </a:p>
           <a:p>
             <a:r>
               <a:rPr lang="zh-CN" altLang="en-US" dirty="0"/>
               <a:t>集成多数的编辑器</a:t>
             </a:r>
-            <a:endParaRPr lang="zh-CN" altLang="en-US" dirty="0"/>
           </a:p>
           <a:p>
             <a:r>
               <a:rPr lang="zh-CN" altLang="en-US" dirty="0"/>
               <a:t>简洁的配置项</a:t>
             </a:r>
-            <a:endParaRPr lang="zh-CN" altLang="en-US" dirty="0"/>
           </a:p>
           <a:p>
             <a:endParaRPr lang="zh-CN" altLang="en-US" dirty="0"/>
@@ -3753,7 +3742,7 @@
           <p:nvPr/>
         </p:nvPicPr>
         <p:blipFill>
-          <a:blip r:embed="rId1" cstate="print">
+          <a:blip r:embed="rId2" cstate="print">
             <a:extLst>
               <a:ext uri="{28A0092B-C50C-407E-A947-70E740481C1C}">
                 <a14:useLocalDpi xmlns:a14="http://schemas.microsoft.com/office/drawing/2010/main" val="0"/>
@@ -3843,7 +3832,7 @@
         <p:spPr/>
         <p:txBody>
           <a:bodyPr>
-            <a:normAutofit fontScale="60000"/>
+            <a:normAutofit fontScale="67500" lnSpcReduction="10000"/>
           </a:bodyPr>
           <a:lstStyle/>
           <a:p>
@@ -3876,7 +3865,6 @@
               <a:rPr lang="zh-CN" altLang="en-US"/>
               <a:t>使用ESLint运行Prettier</a:t>
             </a:r>
-            <a:endParaRPr lang="zh-CN" altLang="en-US"/>
           </a:p>
           <a:p>
             <a:pPr marL="0" indent="0">
@@ -3925,7 +3913,6 @@
               <a:rPr lang="zh-CN" altLang="en-US" dirty="0" smtClean="0"/>
               <a:t>。</a:t>
             </a:r>
-            <a:endParaRPr lang="zh-CN" altLang="en-US" dirty="0" smtClean="0"/>
           </a:p>
           <a:p>
             <a:pPr marL="0" indent="0">
@@ -3941,7 +3928,6 @@
               <a:rPr lang="zh-CN" altLang="en-US" dirty="0" smtClean="0"/>
               <a:t>.eslintrc</a:t>
             </a:r>
-            <a:endParaRPr lang="zh-CN" altLang="en-US" dirty="0" smtClean="0"/>
           </a:p>
           <a:p>
             <a:pPr marL="0" indent="0">
@@ -3951,7 +3937,6 @@
               <a:rPr lang="en-US" altLang="zh-CN" dirty="0" smtClean="0"/>
               <a:t>{</a:t>
             </a:r>
-            <a:endParaRPr lang="en-US" altLang="zh-CN" dirty="0" smtClean="0"/>
           </a:p>
           <a:p>
             <a:pPr marL="0" indent="0">
@@ -3961,7 +3946,6 @@
               <a:rPr lang="en-US" altLang="zh-CN" dirty="0" smtClean="0"/>
               <a:t>  "plugins": ["prettier"],</a:t>
             </a:r>
-            <a:endParaRPr lang="en-US" altLang="zh-CN" dirty="0" smtClean="0"/>
           </a:p>
           <a:p>
             <a:pPr marL="0" indent="0">
@@ -3971,7 +3955,6 @@
               <a:rPr lang="en-US" altLang="zh-CN" dirty="0" smtClean="0"/>
               <a:t>  "rules": {</a:t>
             </a:r>
-            <a:endParaRPr lang="en-US" altLang="zh-CN" dirty="0" smtClean="0"/>
           </a:p>
           <a:p>
             <a:pPr marL="0" indent="0">
@@ -3981,7 +3964,6 @@
               <a:rPr lang="en-US" altLang="zh-CN" dirty="0" smtClean="0"/>
               <a:t>    "prettier/prettier": "error"</a:t>
             </a:r>
-            <a:endParaRPr lang="en-US" altLang="zh-CN" dirty="0" smtClean="0"/>
           </a:p>
           <a:p>
             <a:pPr marL="0" indent="0">
@@ -3991,7 +3973,6 @@
               <a:rPr lang="en-US" altLang="zh-CN" dirty="0" smtClean="0"/>
               <a:t>  }</a:t>
             </a:r>
-            <a:endParaRPr lang="en-US" altLang="zh-CN" dirty="0" smtClean="0"/>
           </a:p>
           <a:p>
             <a:pPr marL="0" indent="0">
@@ -4001,7 +3982,6 @@
               <a:rPr lang="en-US" altLang="zh-CN" dirty="0" smtClean="0"/>
               <a:t>}</a:t>
             </a:r>
-            <a:endParaRPr lang="en-US" altLang="zh-CN" dirty="0" smtClean="0"/>
           </a:p>
           <a:p>
             <a:endParaRPr lang="en-US" altLang="zh-CN" dirty="0"/>
@@ -4088,7 +4068,6 @@
               <a:rPr lang="en-US" altLang="zh-CN" dirty="0" smtClean="0"/>
               <a:t>Prettier</a:t>
             </a:r>
-            <a:endParaRPr lang="en-US" altLang="zh-CN" dirty="0" smtClean="0"/>
           </a:p>
           <a:p>
             <a:endParaRPr lang="en-US" altLang="zh-CN" dirty="0" smtClean="0"/>
@@ -4129,7 +4108,7 @@
             </a:r>
             <a:r>
               <a:rPr lang="en-US" altLang="zh-CN" dirty="0">
-                <a:hlinkClick r:id="rId1"/>
+                <a:hlinkClick r:id="rId2"/>
               </a:rPr>
               <a:t>Prettier</a:t>
             </a:r>
@@ -4173,7 +4152,6 @@
               <a:rPr lang="en-US" altLang="zh-CN" dirty="0" smtClean="0"/>
               <a:t>script/lintScript.js</a:t>
             </a:r>
-            <a:endParaRPr lang="en-US" altLang="zh-CN" dirty="0" smtClean="0"/>
           </a:p>
           <a:p>
             <a:pPr marL="0" indent="0">
@@ -4355,7 +4333,6 @@
               <a:rPr lang="en-US" altLang="zh-CN" dirty="0" smtClean="0"/>
               <a:t>}</a:t>
             </a:r>
-            <a:endParaRPr lang="en-US" altLang="zh-CN" dirty="0" smtClean="0"/>
           </a:p>
           <a:p>
             <a:pPr marL="0" indent="0">
@@ -4379,7 +4356,6 @@
               <a:rPr lang="en-US" altLang="zh-CN" dirty="0"/>
               <a:t> &amp;&amp; node script/lintScript.js</a:t>
             </a:r>
-            <a:endParaRPr lang="en-US" altLang="zh-CN" dirty="0"/>
           </a:p>
           <a:p>
             <a:pPr marL="0" indent="0">
@@ -4409,7 +4385,14 @@
         <p:cNvGrpSpPr/>
         <p:nvPr/>
       </p:nvGrpSpPr>
-      <p:grpSpPr/>
+      <p:grpSpPr>
+        <a:xfrm>
+          <a:off x="0" y="0"/>
+          <a:ext cx="0" cy="0"/>
+          <a:chOff x="0" y="0"/>
+          <a:chExt cx="0" cy="0"/>
+        </a:xfrm>
+      </p:grpSpPr>
       <p:sp>
         <p:nvSpPr>
           <p:cNvPr id="2" name="标题 1"/>
@@ -4423,8 +4406,13 @@
         <p:spPr/>
         <p:txBody>
           <a:bodyPr/>
-          <a:p>
-            <a:endParaRPr lang="zh-CN" altLang="en-US"/>
+          <a:lstStyle/>
+          <a:p>
+            <a:r>
+              <a:rPr lang="en-US" altLang="zh-CN" dirty="0" smtClean="0"/>
+              <a:t>References</a:t>
+            </a:r>
+            <a:endParaRPr lang="zh-CN" altLang="en-US" dirty="0"/>
           </a:p>
         </p:txBody>
       </p:sp>
@@ -4441,28 +4429,76 @@
         <p:spPr/>
         <p:txBody>
           <a:bodyPr/>
+          <a:lstStyle/>
+          <a:p>
+            <a:r>
+              <a:rPr lang="en-US" altLang="zh-CN" dirty="0">
+                <a:sym typeface="+mn-ea"/>
+                <a:hlinkClick r:id="rId2"/>
+              </a:rPr>
+              <a:t>https://</a:t>
+            </a:r>
+            <a:r>
+              <a:rPr lang="en-US" altLang="zh-CN" dirty="0" smtClean="0">
+                <a:sym typeface="+mn-ea"/>
+                <a:hlinkClick r:id="rId2"/>
+              </a:rPr>
+              <a:t>juejin.im/post/59e5a86c51882578bf185dba</a:t>
+            </a:r>
+            <a:endParaRPr lang="en-US" altLang="zh-CN" dirty="0" smtClean="0">
+              <a:sym typeface="+mn-ea"/>
+            </a:endParaRPr>
+          </a:p>
           <a:p>
             <a:r>
               <a:rPr lang="en-US" altLang="zh-CN" dirty="0">
                 <a:sym typeface="+mn-ea"/>
               </a:rPr>
-              <a:t>https://www.jianshu.com/p/d38e7e3b80cb</a:t>
+              <a:t>https://www.jianshu.com/p/a9a55c03f768</a:t>
+            </a:r>
+          </a:p>
+          <a:p>
+            <a:r>
+              <a:rPr lang="en-US" altLang="zh-CN" dirty="0" smtClean="0">
+                <a:sym typeface="+mn-ea"/>
+              </a:rPr>
+              <a:t>https</a:t>
+            </a:r>
+            <a:r>
+              <a:rPr lang="en-US" altLang="zh-CN" dirty="0">
+                <a:sym typeface="+mn-ea"/>
+              </a:rPr>
+              <a:t>://www.jianshu.com/p/d38e7e3b80cb</a:t>
             </a:r>
             <a:endParaRPr lang="zh-CN" altLang="en-US" dirty="0"/>
           </a:p>
           <a:p>
             <a:r>
-              <a:rPr lang="zh-CN" altLang="en-US"/>
-              <a:t>https://www.jianshu.com/p/d6a69eb08f07</a:t>
-            </a:r>
-            <a:endParaRPr lang="zh-CN" altLang="en-US"/>
-          </a:p>
-          <a:p>
-            <a:r>
-              <a:rPr lang="zh-CN" altLang="en-US"/>
+              <a:rPr lang="zh-CN" altLang="en-US" dirty="0">
+                <a:hlinkClick r:id="rId3"/>
+              </a:rPr>
+              <a:t>https://www.jianshu.com/p/d6a69eb08f</a:t>
+            </a:r>
+            <a:r>
+              <a:rPr lang="zh-CN" altLang="en-US" dirty="0" smtClean="0">
+                <a:hlinkClick r:id="rId3"/>
+              </a:rPr>
+              <a:t>07</a:t>
+            </a:r>
+            <a:endParaRPr lang="en-US" altLang="zh-CN" dirty="0" smtClean="0"/>
+          </a:p>
+          <a:p>
+            <a:r>
+              <a:rPr lang="en-US" altLang="zh-CN" dirty="0"/>
+              <a:t>https://juejin.im/post/5b27a326e51d45588a7dac57</a:t>
+            </a:r>
+            <a:endParaRPr lang="zh-CN" altLang="en-US" dirty="0"/>
+          </a:p>
+          <a:p>
+            <a:r>
+              <a:rPr lang="zh-CN" altLang="en-US" dirty="0"/>
               <a:t>https://cn.eslint.org/docs/rules/</a:t>
             </a:r>
-            <a:endParaRPr lang="zh-CN" altLang="en-US"/>
           </a:p>
         </p:txBody>
       </p:sp>
@@ -4571,7 +4607,7 @@
           <p:nvPr/>
         </p:nvPicPr>
         <p:blipFill>
-          <a:blip r:embed="rId1">
+          <a:blip r:embed="rId2">
             <a:extLst>
               <a:ext uri="{28A0092B-C50C-407E-A947-70E740481C1C}">
                 <a14:useLocalDpi xmlns:a14="http://schemas.microsoft.com/office/drawing/2010/main" val="0"/>
@@ -4659,7 +4695,6 @@
               <a:rPr lang="en-US" altLang="zh-CN" dirty="0" smtClean="0"/>
               <a:t>Puppeteer</a:t>
             </a:r>
-            <a:endParaRPr lang="en-US" altLang="zh-CN" dirty="0" smtClean="0"/>
           </a:p>
           <a:p>
             <a:pPr marL="0" indent="0">
@@ -4672,7 +4707,6 @@
               <a:rPr lang="en-US" altLang="zh-CN" dirty="0" smtClean="0"/>
               <a:t>Husky</a:t>
             </a:r>
-            <a:endParaRPr lang="en-US" altLang="zh-CN" dirty="0" smtClean="0"/>
           </a:p>
           <a:p>
             <a:pPr marL="0" indent="0">
@@ -4698,7 +4732,6 @@
               <a:rPr lang="en-US" altLang="zh-CN" dirty="0" smtClean="0"/>
               <a:t>Prettier</a:t>
             </a:r>
-            <a:endParaRPr lang="en-US" altLang="zh-CN" dirty="0" smtClean="0"/>
           </a:p>
           <a:p>
             <a:pPr marL="0" indent="0">
@@ -4862,7 +4895,6 @@
               <a:rPr lang="en-US" altLang="zh-CN" dirty="0" smtClean="0"/>
               <a:t>Web</a:t>
             </a:r>
-            <a:endParaRPr lang="en-US" altLang="zh-CN" dirty="0" smtClean="0"/>
           </a:p>
           <a:p>
             <a:pPr marL="0" indent="0">
@@ -4963,7 +4995,6 @@
               <a:rPr lang="zh-CN" altLang="zh-CN" dirty="0"/>
               <a:t>拥有更好的兼容性和前景。</a:t>
             </a:r>
-            <a:endParaRPr lang="zh-CN" altLang="zh-CN" dirty="0"/>
           </a:p>
           <a:p>
             <a:pPr marL="0" indent="0">
@@ -4994,7 +5025,7 @@
           <p:nvPr/>
         </p:nvPicPr>
         <p:blipFill>
-          <a:blip r:embed="rId1">
+          <a:blip r:embed="rId2">
             <a:extLst>
               <a:ext uri="{28A0092B-C50C-407E-A947-70E740481C1C}">
                 <a14:useLocalDpi xmlns:a14="http://schemas.microsoft.com/office/drawing/2010/main" val="0"/>
@@ -5097,7 +5128,6 @@
               <a:rPr lang="en-US" altLang="zh-CN" dirty="0" smtClean="0"/>
               <a:t>)</a:t>
             </a:r>
-            <a:endParaRPr lang="en-US" altLang="zh-CN" dirty="0" smtClean="0"/>
           </a:p>
           <a:p>
             <a:pPr marL="0" indent="0">
@@ -5172,7 +5202,6 @@
               <a:rPr lang="zh-CN" altLang="en-US" dirty="0"/>
               <a:t>封装的接口方便我们控制浏览器。</a:t>
             </a:r>
-            <a:endParaRPr lang="zh-CN" altLang="en-US" dirty="0"/>
           </a:p>
         </p:txBody>
       </p:sp>
@@ -5331,7 +5360,6 @@
               <a:rPr lang="zh-CN" altLang="zh-CN" dirty="0"/>
               <a:t>的自动化测试、模拟键盘输入等 </a:t>
             </a:r>
-            <a:endParaRPr lang="zh-CN" altLang="zh-CN" dirty="0"/>
           </a:p>
           <a:p>
             <a:r>
@@ -5342,7 +5370,6 @@
               <a:rPr lang="zh-CN" altLang="zh-CN" dirty="0"/>
               <a:t>浏览器自带的一些调试工具和性能分析工具帮助我们分析问题 </a:t>
             </a:r>
-            <a:endParaRPr lang="zh-CN" altLang="zh-CN" dirty="0"/>
           </a:p>
           <a:p>
             <a:r>
@@ -5353,7 +5380,6 @@
               <a:rPr lang="zh-CN" altLang="zh-CN" dirty="0"/>
               <a:t>最新的无头浏览器环境里做测试、使用最新浏览器特性 </a:t>
             </a:r>
-            <a:endParaRPr lang="zh-CN" altLang="zh-CN" dirty="0"/>
           </a:p>
           <a:p>
             <a:r>
@@ -5539,7 +5565,6 @@
               <a:rPr lang="en-US" altLang="zh-CN"/>
               <a:t>cnpm i puppeteer --save</a:t>
             </a:r>
-            <a:endParaRPr lang="en-US" altLang="zh-CN"/>
           </a:p>
           <a:p>
             <a:endParaRPr lang="zh-CN" altLang="en-US" dirty="0"/>
@@ -5616,7 +5641,6 @@
               <a:rPr lang="en-US" altLang="zh-CN" dirty="0" smtClean="0"/>
               <a:t>Puppeteer API &amp; examples</a:t>
             </a:r>
-            <a:endParaRPr lang="en-US" altLang="zh-CN" dirty="0" smtClean="0"/>
           </a:p>
           <a:p>
             <a:pPr marL="0" indent="0">
@@ -5637,7 +5661,7 @@
             </a:pPr>
             <a:r>
               <a:rPr lang="en-US" altLang="zh-CN" dirty="0" smtClean="0">
-                <a:hlinkClick r:id="rId1"/>
+                <a:hlinkClick r:id="rId2"/>
               </a:rPr>
               <a:t>https://zhaoqize.github.io/puppeteer-api-zh_CN/#/</a:t>
             </a:r>
@@ -5654,7 +5678,6 @@
               <a:rPr lang="en-US" altLang="zh-CN" dirty="0" smtClean="0"/>
               <a:t>Examples</a:t>
             </a:r>
-            <a:endParaRPr lang="en-US" altLang="zh-CN" dirty="0" smtClean="0"/>
           </a:p>
           <a:p>
             <a:pPr marL="0" indent="0">
@@ -5819,7 +5842,7 @@
           <p:nvPr/>
         </p:nvPicPr>
         <p:blipFill>
-          <a:blip r:embed="rId1" cstate="print">
+          <a:blip r:embed="rId2" cstate="print">
             <a:extLst>
               <a:ext uri="{28A0092B-C50C-407E-A947-70E740481C1C}">
                 <a14:useLocalDpi xmlns:a14="http://schemas.microsoft.com/office/drawing/2010/main" val="0"/>
@@ -6099,6 +6122,8 @@
       </a:bgFillStyleLst>
     </a:fmtScheme>
   </a:themeElements>
+  <a:objectDefaults/>
+  <a:extraClrSchemeLst/>
   <a:extLst>
     <a:ext uri="{05A4C25C-085E-4340-85A3-A5531E510DB2}">
       <thm15:themeFamily xmlns:thm15="http://schemas.microsoft.com/office/thememl/2012/main" name="Office Theme" id="{62F939B6-93AF-4DB8-9C6B-D6C7DFDC589F}" vid="{4A3C46E8-61CC-4603-A589-7422A47A8E4A}"/>
